--- a/WBTreeIntro.pptx
+++ b/WBTreeIntro.pptx
@@ -10,6 +10,13 @@
     <p:sldId id="259" r:id="rId4"/>
     <p:sldId id="260" r:id="rId5"/>
     <p:sldId id="261" r:id="rId6"/>
+    <p:sldId id="262" r:id="rId7"/>
+    <p:sldId id="263" r:id="rId8"/>
+    <p:sldId id="264" r:id="rId9"/>
+    <p:sldId id="265" r:id="rId10"/>
+    <p:sldId id="266" r:id="rId11"/>
+    <p:sldId id="267" r:id="rId12"/>
+    <p:sldId id="268" r:id="rId13"/>
   </p:sldIdLst>
   <p:sldSz cx="12192000" cy="6858000"/>
   <p:notesSz cx="6858000" cy="9144000"/>
@@ -108,6 +115,11 @@
       </a:defRPr>
     </a:lvl9pPr>
   </p:defaultTextStyle>
+  <p:extLst>
+    <p:ext uri="{EFAFB233-063F-42B5-8137-9DF3F51BA10A}">
+      <p15:sldGuideLst xmlns:p15="http://schemas.microsoft.com/office/powerpoint/2012/main"/>
+    </p:ext>
+  </p:extLst>
 </p:presentation>
 </file>
 
@@ -564,7 +576,7 @@
           <a:p>
             <a:fld id="{F7AFFB9B-9FB8-469E-96F9-4D32314110B6}" type="datetimeFigureOut">
               <a:rPr lang="en-US" dirty="0"/>
-              <a:t>11/9/17</a:t>
+              <a:t>11/12/17</a:t>
             </a:fld>
             <a:endParaRPr lang="en-US" dirty="0"/>
           </a:p>
@@ -892,7 +904,7 @@
           <a:p>
             <a:fld id="{341D2AC3-6A0B-4169-B1EA-E3AE8B351BDD}" type="datetimeFigureOut">
               <a:rPr lang="en-US" dirty="0"/>
-              <a:t>11/9/17</a:t>
+              <a:t>11/12/17</a:t>
             </a:fld>
             <a:endParaRPr lang="en-US" dirty="0"/>
           </a:p>
@@ -1083,7 +1095,7 @@
           <a:p>
             <a:fld id="{DD4B9363-8B87-41B7-9F8E-64519CBB8F34}" type="datetimeFigureOut">
               <a:rPr lang="en-US" dirty="0"/>
-              <a:t>11/9/17</a:t>
+              <a:t>11/12/17</a:t>
             </a:fld>
             <a:endParaRPr lang="en-US" dirty="0"/>
           </a:p>
@@ -1348,7 +1360,7 @@
           <a:p>
             <a:fld id="{EAEF5746-5284-4951-9F37-7AE924EDBCB7}" type="datetimeFigureOut">
               <a:rPr lang="en-US" dirty="0"/>
-              <a:t>11/9/17</a:t>
+              <a:t>11/12/17</a:t>
             </a:fld>
             <a:endParaRPr lang="en-US" dirty="0"/>
           </a:p>
@@ -1771,7 +1783,7 @@
           <a:p>
             <a:fld id="{02398B29-7265-4A65-A2A4-6703C057B7C1}" type="datetimeFigureOut">
               <a:rPr lang="en-US" dirty="0"/>
-              <a:t>11/9/17</a:t>
+              <a:t>11/12/17</a:t>
             </a:fld>
             <a:endParaRPr lang="en-US" dirty="0"/>
           </a:p>
@@ -2316,7 +2328,7 @@
           <a:p>
             <a:fld id="{28FBA082-94DF-4C4B-A041-6624924AB0A8}" type="datetimeFigureOut">
               <a:rPr lang="en-US" dirty="0"/>
-              <a:t>11/9/17</a:t>
+              <a:t>11/12/17</a:t>
             </a:fld>
             <a:endParaRPr lang="en-US" dirty="0"/>
           </a:p>
@@ -3101,7 +3113,7 @@
           <a:p>
             <a:fld id="{B27686C4-3AB5-4E0C-86CA-FB108C350AA9}" type="datetimeFigureOut">
               <a:rPr lang="en-US" dirty="0"/>
-              <a:t>11/9/17</a:t>
+              <a:t>11/12/17</a:t>
             </a:fld>
             <a:endParaRPr lang="en-US" dirty="0"/>
           </a:p>
@@ -3275,7 +3287,7 @@
           <a:p>
             <a:fld id="{49FF1211-4E0C-4AB3-B04F-585959BDAFE8}" type="datetimeFigureOut">
               <a:rPr lang="en-US" dirty="0"/>
-              <a:t>11/9/17</a:t>
+              <a:t>11/12/17</a:t>
             </a:fld>
             <a:endParaRPr lang="en-US" dirty="0"/>
           </a:p>
@@ -3454,7 +3466,7 @@
           <a:p>
             <a:fld id="{28BDECAF-D3BE-4069-9C78-642ECCD01477}" type="datetimeFigureOut">
               <a:rPr lang="en-US" dirty="0"/>
-              <a:t>11/9/17</a:t>
+              <a:t>11/12/17</a:t>
             </a:fld>
             <a:endParaRPr lang="en-US" dirty="0"/>
           </a:p>
@@ -3624,7 +3636,7 @@
           <a:p>
             <a:fld id="{8EFBDC27-E420-4878-9EE6-7B9656D6442A}" type="datetimeFigureOut">
               <a:rPr lang="en-US" dirty="0"/>
-              <a:t>11/9/17</a:t>
+              <a:t>11/12/17</a:t>
             </a:fld>
             <a:endParaRPr lang="en-US" dirty="0"/>
           </a:p>
@@ -3869,7 +3881,7 @@
           <a:p>
             <a:fld id="{0F7F47CF-67C9-420C-80A5-E2069FF0C2DF}" type="datetimeFigureOut">
               <a:rPr lang="en-US" dirty="0"/>
-              <a:t>11/9/17</a:t>
+              <a:t>11/12/17</a:t>
             </a:fld>
             <a:endParaRPr lang="en-US" dirty="0"/>
           </a:p>
@@ -4101,7 +4113,7 @@
           <a:p>
             <a:fld id="{AE22DC73-F065-42F5-A9F2-D90B2E42A0B3}" type="datetimeFigureOut">
               <a:rPr lang="en-US" dirty="0"/>
-              <a:t>11/9/17</a:t>
+              <a:t>11/12/17</a:t>
             </a:fld>
             <a:endParaRPr lang="en-US" dirty="0"/>
           </a:p>
@@ -4481,7 +4493,7 @@
           <a:p>
             <a:fld id="{76BEA702-9B29-41CC-9BCC-3DF8A0D379FE}" type="datetimeFigureOut">
               <a:rPr lang="en-US" dirty="0"/>
-              <a:t>11/9/17</a:t>
+              <a:t>11/12/17</a:t>
             </a:fld>
             <a:endParaRPr lang="en-US" dirty="0"/>
           </a:p>
@@ -4594,7 +4606,7 @@
           <a:p>
             <a:fld id="{097649AC-CB8F-4FF1-9A34-5861C74DD0A7}" type="datetimeFigureOut">
               <a:rPr lang="en-US" dirty="0"/>
-              <a:t>11/9/17</a:t>
+              <a:t>11/12/17</a:t>
             </a:fld>
             <a:endParaRPr lang="en-US" dirty="0"/>
           </a:p>
@@ -4684,7 +4696,7 @@
           <a:p>
             <a:fld id="{3EC5CECA-2D3A-4680-9B49-752200DE467C}" type="datetimeFigureOut">
               <a:rPr lang="en-US" dirty="0"/>
-              <a:t>11/9/17</a:t>
+              <a:t>11/12/17</a:t>
             </a:fld>
             <a:endParaRPr lang="en-US" dirty="0"/>
           </a:p>
@@ -4932,7 +4944,7 @@
           <a:p>
             <a:fld id="{50C3BFE2-83B7-4B0A-B9D3-AB28331082B3}" type="datetimeFigureOut">
               <a:rPr lang="en-US" dirty="0"/>
-              <a:t>11/9/17</a:t>
+              <a:t>11/12/17</a:t>
             </a:fld>
             <a:endParaRPr lang="en-US" dirty="0"/>
           </a:p>
@@ -5196,7 +5208,7 @@
           <a:p>
             <a:fld id="{12EF78E3-FDA3-4D28-AAA2-0B81F349A39D}" type="datetimeFigureOut">
               <a:rPr lang="en-US" dirty="0"/>
-              <a:t>11/9/17</a:t>
+              <a:t>11/12/17</a:t>
             </a:fld>
             <a:endParaRPr lang="en-US" dirty="0"/>
           </a:p>
@@ -5594,7 +5606,7 @@
           <a:p>
             <a:fld id="{C35BB1C6-BF8F-4481-8AB2-603A1C8A906A}" type="datetimeFigureOut">
               <a:rPr lang="en-US" dirty="0"/>
-              <a:t>11/9/17</a:t>
+              <a:t>11/12/17</a:t>
             </a:fld>
             <a:endParaRPr lang="en-US" dirty="0"/>
           </a:p>
@@ -6197,6 +6209,596 @@
 </p:sld>
 </file>
 
+<file path=ppt/slides/slide10.xml><?xml version="1.0" encoding="utf-8"?>
+<p:sld xmlns:a="http://schemas.openxmlformats.org/drawingml/2006/main" xmlns:r="http://schemas.openxmlformats.org/officeDocument/2006/relationships" xmlns:p="http://schemas.openxmlformats.org/presentationml/2006/main">
+  <p:cSld>
+    <p:spTree>
+      <p:nvGrpSpPr>
+        <p:cNvPr id="1" name=""/>
+        <p:cNvGrpSpPr/>
+        <p:nvPr/>
+      </p:nvGrpSpPr>
+      <p:grpSpPr>
+        <a:xfrm>
+          <a:off x="0" y="0"/>
+          <a:ext cx="0" cy="0"/>
+          <a:chOff x="0" y="0"/>
+          <a:chExt cx="0" cy="0"/>
+        </a:xfrm>
+      </p:grpSpPr>
+      <p:sp>
+        <p:nvSpPr>
+          <p:cNvPr id="3" name="Content Placeholder 2"/>
+          <p:cNvSpPr>
+            <a:spLocks noGrp="1"/>
+          </p:cNvSpPr>
+          <p:nvPr>
+            <p:ph sz="quarter" idx="13"/>
+          </p:nvPr>
+        </p:nvSpPr>
+        <p:spPr>
+          <a:xfrm>
+            <a:off x="0" y="0"/>
+            <a:ext cx="11080507" cy="5374585"/>
+          </a:xfrm>
+        </p:spPr>
+        <p:txBody>
+          <a:bodyPr>
+            <a:normAutofit fontScale="70000" lnSpcReduction="20000"/>
+          </a:bodyPr>
+          <a:lstStyle/>
+          <a:p>
+            <a:pPr marL="0" indent="0" fontAlgn="base">
+              <a:buNone/>
+            </a:pPr>
+            <a:r>
+              <a:rPr lang="en-US" b="1" dirty="0" smtClean="0"/>
+              <a:t>				</a:t>
+            </a:r>
+            <a:r>
+              <a:rPr lang="en-US" sz="4100" b="1" dirty="0" smtClean="0"/>
+              <a:t>Dictionaries</a:t>
+            </a:r>
+            <a:r>
+              <a:rPr lang="en-US" sz="4100" b="1" dirty="0"/>
+              <a:t>:</a:t>
+            </a:r>
+          </a:p>
+          <a:p>
+            <a:r>
+              <a:rPr lang="en-US" sz="2600" dirty="0"/>
+              <a:t>   </a:t>
+            </a:r>
+            <a:r>
+              <a:rPr lang="en-US" sz="2600" cap="none" dirty="0" smtClean="0">
+                <a:latin typeface="Times New Roman" charset="0"/>
+                <a:ea typeface="Times New Roman" charset="0"/>
+                <a:cs typeface="Times New Roman" charset="0"/>
+              </a:rPr>
+              <a:t> WBT trees are used to make dictionaries ,in which there is a </a:t>
+            </a:r>
+            <a:r>
+              <a:rPr lang="en-US" sz="2600" cap="none" dirty="0" err="1" smtClean="0">
+                <a:latin typeface="Times New Roman" charset="0"/>
+                <a:ea typeface="Times New Roman" charset="0"/>
+                <a:cs typeface="Times New Roman" charset="0"/>
+              </a:rPr>
+              <a:t>key,value</a:t>
+            </a:r>
+            <a:r>
+              <a:rPr lang="en-US" sz="2600" cap="none" dirty="0" smtClean="0">
+                <a:latin typeface="Times New Roman" charset="0"/>
+                <a:ea typeface="Times New Roman" charset="0"/>
+                <a:cs typeface="Times New Roman" charset="0"/>
+              </a:rPr>
+              <a:t> </a:t>
+            </a:r>
+            <a:r>
+              <a:rPr lang="en-US" sz="2600" cap="none" dirty="0" err="1" smtClean="0">
+                <a:latin typeface="Times New Roman" charset="0"/>
+                <a:ea typeface="Times New Roman" charset="0"/>
+                <a:cs typeface="Times New Roman" charset="0"/>
+              </a:rPr>
+              <a:t>relation,used</a:t>
+            </a:r>
+            <a:r>
+              <a:rPr lang="en-US" sz="2600" cap="none" dirty="0" smtClean="0">
+                <a:latin typeface="Times New Roman" charset="0"/>
+                <a:ea typeface="Times New Roman" charset="0"/>
+                <a:cs typeface="Times New Roman" charset="0"/>
+              </a:rPr>
+              <a:t> to store information.</a:t>
+            </a:r>
+          </a:p>
+          <a:p>
+            <a:pPr marL="0" indent="0">
+              <a:buNone/>
+            </a:pPr>
+            <a:r>
+              <a:rPr lang="en-US" sz="2600" cap="none" dirty="0" smtClean="0">
+                <a:latin typeface="Times New Roman" charset="0"/>
+                <a:ea typeface="Times New Roman" charset="0"/>
+                <a:cs typeface="Times New Roman" charset="0"/>
+              </a:rPr>
+              <a:t>	Operations associated with dictionaries  data type allow :</a:t>
+            </a:r>
+          </a:p>
+          <a:p>
+            <a:pPr fontAlgn="base"/>
+            <a:r>
+              <a:rPr lang="en-US" sz="2600" cap="none" dirty="0" smtClean="0">
+                <a:latin typeface="Times New Roman" charset="0"/>
+                <a:ea typeface="Times New Roman" charset="0"/>
+                <a:cs typeface="Times New Roman" charset="0"/>
+              </a:rPr>
+              <a:t>The addition and removal ,modification of a pair to the collection</a:t>
+            </a:r>
+          </a:p>
+          <a:p>
+            <a:pPr fontAlgn="base"/>
+            <a:r>
+              <a:rPr lang="en-US" sz="2600" cap="none" dirty="0" smtClean="0">
+                <a:latin typeface="Times New Roman" charset="0"/>
+                <a:ea typeface="Times New Roman" charset="0"/>
+                <a:cs typeface="Times New Roman" charset="0"/>
+              </a:rPr>
+              <a:t>The lookup of a value associated with a particular key</a:t>
+            </a:r>
+          </a:p>
+          <a:p>
+            <a:r>
+              <a:rPr lang="en-US" sz="2600" cap="none" dirty="0" smtClean="0">
+                <a:latin typeface="Times New Roman" charset="0"/>
+                <a:ea typeface="Times New Roman" charset="0"/>
+                <a:cs typeface="Times New Roman" charset="0"/>
+              </a:rPr>
+              <a:t>We implement this similar to a </a:t>
+            </a:r>
+            <a:r>
+              <a:rPr lang="en-US" sz="2600" cap="none" dirty="0" err="1" smtClean="0">
+                <a:latin typeface="Times New Roman" charset="0"/>
+                <a:ea typeface="Times New Roman" charset="0"/>
+                <a:cs typeface="Times New Roman" charset="0"/>
+              </a:rPr>
+              <a:t>hashmap</a:t>
+            </a:r>
+            <a:r>
+              <a:rPr lang="en-US" sz="2600" cap="none" dirty="0" smtClean="0">
+                <a:latin typeface="Times New Roman" charset="0"/>
+                <a:ea typeface="Times New Roman" charset="0"/>
+                <a:cs typeface="Times New Roman" charset="0"/>
+              </a:rPr>
+              <a:t> but we use a WBT tree instead of a linked list for storing elements hashed to the same </a:t>
+            </a:r>
+            <a:r>
+              <a:rPr lang="en-US" sz="2600" cap="none" dirty="0" err="1" smtClean="0">
+                <a:latin typeface="Times New Roman" charset="0"/>
+                <a:ea typeface="Times New Roman" charset="0"/>
+                <a:cs typeface="Times New Roman" charset="0"/>
+              </a:rPr>
+              <a:t>value.Although</a:t>
+            </a:r>
+            <a:r>
+              <a:rPr lang="en-US" sz="2600" cap="none" dirty="0" smtClean="0">
+                <a:latin typeface="Times New Roman" charset="0"/>
+                <a:ea typeface="Times New Roman" charset="0"/>
+                <a:cs typeface="Times New Roman" charset="0"/>
+              </a:rPr>
+              <a:t> the insert in WBT </a:t>
+            </a:r>
+            <a:r>
+              <a:rPr lang="en-US" sz="2600" cap="none" dirty="0" err="1" smtClean="0">
+                <a:latin typeface="Times New Roman" charset="0"/>
+                <a:ea typeface="Times New Roman" charset="0"/>
+                <a:cs typeface="Times New Roman" charset="0"/>
+              </a:rPr>
+              <a:t>hashmap</a:t>
+            </a:r>
+            <a:r>
+              <a:rPr lang="en-US" sz="2600" cap="none" dirty="0" smtClean="0">
+                <a:latin typeface="Times New Roman" charset="0"/>
+                <a:ea typeface="Times New Roman" charset="0"/>
+                <a:cs typeface="Times New Roman" charset="0"/>
+              </a:rPr>
+              <a:t> is more costly than </a:t>
+            </a:r>
+            <a:r>
+              <a:rPr lang="en-US" sz="2600" cap="none" dirty="0" err="1" smtClean="0">
+                <a:latin typeface="Times New Roman" charset="0"/>
+                <a:ea typeface="Times New Roman" charset="0"/>
+                <a:cs typeface="Times New Roman" charset="0"/>
+              </a:rPr>
+              <a:t>hashmap</a:t>
+            </a:r>
+            <a:r>
+              <a:rPr lang="en-US" sz="2600" cap="none" dirty="0" smtClean="0">
+                <a:latin typeface="Times New Roman" charset="0"/>
+                <a:ea typeface="Times New Roman" charset="0"/>
+                <a:cs typeface="Times New Roman" charset="0"/>
+              </a:rPr>
+              <a:t> using linked </a:t>
+            </a:r>
+            <a:r>
+              <a:rPr lang="en-US" sz="2600" cap="none" dirty="0" err="1" smtClean="0">
+                <a:latin typeface="Times New Roman" charset="0"/>
+                <a:ea typeface="Times New Roman" charset="0"/>
+                <a:cs typeface="Times New Roman" charset="0"/>
+              </a:rPr>
+              <a:t>list.It</a:t>
+            </a:r>
+            <a:r>
+              <a:rPr lang="en-US" sz="2600" cap="none" dirty="0" smtClean="0">
+                <a:latin typeface="Times New Roman" charset="0"/>
+                <a:ea typeface="Times New Roman" charset="0"/>
+                <a:cs typeface="Times New Roman" charset="0"/>
+              </a:rPr>
+              <a:t> pays of as search is more efficient and faster in WBT tree than a </a:t>
+            </a:r>
+            <a:r>
+              <a:rPr lang="en-US" sz="2600" cap="none" dirty="0" err="1" smtClean="0">
+                <a:latin typeface="Times New Roman" charset="0"/>
+                <a:ea typeface="Times New Roman" charset="0"/>
+                <a:cs typeface="Times New Roman" charset="0"/>
+              </a:rPr>
+              <a:t>linkedlist</a:t>
+            </a:r>
+            <a:r>
+              <a:rPr lang="en-US" sz="2600" cap="none" dirty="0" smtClean="0">
+                <a:latin typeface="Times New Roman" charset="0"/>
+                <a:ea typeface="Times New Roman" charset="0"/>
+                <a:cs typeface="Times New Roman" charset="0"/>
+              </a:rPr>
+              <a:t>.</a:t>
+            </a:r>
+          </a:p>
+          <a:p>
+            <a:r>
+              <a:rPr lang="en-US" sz="2600" cap="none" dirty="0" smtClean="0">
+                <a:latin typeface="Times New Roman" charset="0"/>
+                <a:ea typeface="Times New Roman" charset="0"/>
+                <a:cs typeface="Times New Roman" charset="0"/>
+              </a:rPr>
+              <a:t>Hence this can be used where searches are done more often than insert.</a:t>
+            </a:r>
+          </a:p>
+          <a:p>
+            <a:endParaRPr lang="en-US" sz="2600" cap="none" dirty="0" smtClean="0">
+              <a:latin typeface="Times New Roman" charset="0"/>
+              <a:ea typeface="Times New Roman" charset="0"/>
+              <a:cs typeface="Times New Roman" charset="0"/>
+            </a:endParaRPr>
+          </a:p>
+          <a:p>
+            <a:r>
+              <a:rPr lang="en-US" sz="2600" cap="none" dirty="0" smtClean="0">
+                <a:latin typeface="Times New Roman" charset="0"/>
+                <a:ea typeface="Times New Roman" charset="0"/>
+                <a:cs typeface="Times New Roman" charset="0"/>
+              </a:rPr>
+              <a:t>Insert-o(</a:t>
+            </a:r>
+            <a:r>
+              <a:rPr lang="en-US" sz="2600" cap="none" dirty="0" err="1" smtClean="0">
+                <a:latin typeface="Times New Roman" charset="0"/>
+                <a:ea typeface="Times New Roman" charset="0"/>
+                <a:cs typeface="Times New Roman" charset="0"/>
+              </a:rPr>
+              <a:t>nlogn</a:t>
+            </a:r>
+            <a:r>
+              <a:rPr lang="en-US" sz="2600" cap="none" dirty="0" smtClean="0">
+                <a:latin typeface="Times New Roman" charset="0"/>
+                <a:ea typeface="Times New Roman" charset="0"/>
+                <a:cs typeface="Times New Roman" charset="0"/>
+              </a:rPr>
+              <a:t>)</a:t>
+            </a:r>
+          </a:p>
+          <a:p>
+            <a:r>
+              <a:rPr lang="en-US" sz="2600" cap="none" dirty="0" smtClean="0">
+                <a:latin typeface="Times New Roman" charset="0"/>
+                <a:ea typeface="Times New Roman" charset="0"/>
+                <a:cs typeface="Times New Roman" charset="0"/>
+              </a:rPr>
+              <a:t>Search-o(</a:t>
+            </a:r>
+            <a:r>
+              <a:rPr lang="en-US" sz="2600" cap="none" dirty="0" err="1" smtClean="0">
+                <a:latin typeface="Times New Roman" charset="0"/>
+                <a:ea typeface="Times New Roman" charset="0"/>
+                <a:cs typeface="Times New Roman" charset="0"/>
+              </a:rPr>
+              <a:t>logn</a:t>
+            </a:r>
+            <a:r>
+              <a:rPr lang="en-US" sz="2600" cap="none" dirty="0" smtClean="0">
+                <a:latin typeface="Times New Roman" charset="0"/>
+                <a:ea typeface="Times New Roman" charset="0"/>
+                <a:cs typeface="Times New Roman" charset="0"/>
+              </a:rPr>
+              <a:t>)</a:t>
+            </a:r>
+          </a:p>
+          <a:p>
+            <a:pPr marL="0" indent="0">
+              <a:buNone/>
+            </a:pPr>
+            <a:r>
+              <a:rPr lang="en-US" sz="2600" dirty="0"/>
+              <a:t/>
+            </a:r>
+            <a:br>
+              <a:rPr lang="en-US" sz="2600" dirty="0"/>
+            </a:br>
+            <a:endParaRPr lang="en-US" sz="2600" dirty="0"/>
+          </a:p>
+        </p:txBody>
+      </p:sp>
+    </p:spTree>
+    <p:extLst>
+      <p:ext uri="{BB962C8B-B14F-4D97-AF65-F5344CB8AC3E}">
+        <p14:creationId xmlns:p14="http://schemas.microsoft.com/office/powerpoint/2010/main" val="50175938"/>
+      </p:ext>
+    </p:extLst>
+  </p:cSld>
+  <p:clrMapOvr>
+    <a:masterClrMapping/>
+  </p:clrMapOvr>
+  <p:timing>
+    <p:tnLst>
+      <p:par>
+        <p:cTn id="1" dur="indefinite" restart="never" nodeType="tmRoot"/>
+      </p:par>
+    </p:tnLst>
+  </p:timing>
+</p:sld>
+</file>
+
+<file path=ppt/slides/slide11.xml><?xml version="1.0" encoding="utf-8"?>
+<p:sld xmlns:a="http://schemas.openxmlformats.org/drawingml/2006/main" xmlns:r="http://schemas.openxmlformats.org/officeDocument/2006/relationships" xmlns:p="http://schemas.openxmlformats.org/presentationml/2006/main">
+  <p:cSld>
+    <p:spTree>
+      <p:nvGrpSpPr>
+        <p:cNvPr id="1" name=""/>
+        <p:cNvGrpSpPr/>
+        <p:nvPr/>
+      </p:nvGrpSpPr>
+      <p:grpSpPr>
+        <a:xfrm>
+          <a:off x="0" y="0"/>
+          <a:ext cx="0" cy="0"/>
+          <a:chOff x="0" y="0"/>
+          <a:chExt cx="0" cy="0"/>
+        </a:xfrm>
+      </p:grpSpPr>
+      <p:sp>
+        <p:nvSpPr>
+          <p:cNvPr id="3" name="Content Placeholder 2"/>
+          <p:cNvSpPr>
+            <a:spLocks noGrp="1"/>
+          </p:cNvSpPr>
+          <p:nvPr>
+            <p:ph sz="quarter" idx="13"/>
+          </p:nvPr>
+        </p:nvSpPr>
+        <p:spPr>
+          <a:xfrm>
+            <a:off x="0" y="0"/>
+            <a:ext cx="11080507" cy="5374585"/>
+          </a:xfrm>
+        </p:spPr>
+        <p:txBody>
+          <a:bodyPr>
+            <a:normAutofit lnSpcReduction="10000"/>
+          </a:bodyPr>
+          <a:lstStyle/>
+          <a:p>
+            <a:pPr marL="0" indent="0" fontAlgn="base">
+              <a:buNone/>
+            </a:pPr>
+            <a:r>
+              <a:rPr lang="en-US" b="1" dirty="0" smtClean="0"/>
+              <a:t>					</a:t>
+            </a:r>
+            <a:r>
+              <a:rPr lang="en-US" sz="3500" b="1" dirty="0" smtClean="0"/>
+              <a:t>Dynamic </a:t>
+            </a:r>
+            <a:r>
+              <a:rPr lang="en-US" sz="3500" b="1" dirty="0"/>
+              <a:t>sets :</a:t>
+            </a:r>
+          </a:p>
+          <a:p>
+            <a:pPr marL="0" indent="0">
+              <a:buNone/>
+            </a:pPr>
+            <a:r>
+              <a:rPr lang="en-US" dirty="0"/>
+              <a:t/>
+            </a:r>
+            <a:br>
+              <a:rPr lang="en-US" dirty="0"/>
+            </a:br>
+            <a:r>
+              <a:rPr lang="en-US" cap="none" dirty="0" smtClean="0">
+                <a:latin typeface="Times New Roman" charset="0"/>
+                <a:ea typeface="Times New Roman" charset="0"/>
+                <a:cs typeface="Times New Roman" charset="0"/>
+              </a:rPr>
+              <a:t> They are used to implement dynamic sets and to perform set operations like union ,intersection in functional programming </a:t>
+            </a:r>
+          </a:p>
+          <a:p>
+            <a:r>
+              <a:rPr lang="en-US" cap="none" dirty="0" smtClean="0">
+                <a:latin typeface="Times New Roman" charset="0"/>
+                <a:ea typeface="Times New Roman" charset="0"/>
+                <a:cs typeface="Times New Roman" charset="0"/>
+              </a:rPr>
+              <a:t>  A </a:t>
+            </a:r>
+            <a:r>
+              <a:rPr lang="en-US" b="1" cap="none" dirty="0" smtClean="0">
+                <a:latin typeface="Times New Roman" charset="0"/>
+                <a:ea typeface="Times New Roman" charset="0"/>
+                <a:cs typeface="Times New Roman" charset="0"/>
+              </a:rPr>
+              <a:t>dynaset</a:t>
+            </a:r>
+            <a:r>
+              <a:rPr lang="en-US" cap="none" dirty="0" smtClean="0">
+                <a:latin typeface="Times New Roman" charset="0"/>
+                <a:ea typeface="Times New Roman" charset="0"/>
+                <a:cs typeface="Times New Roman" charset="0"/>
+              </a:rPr>
+              <a:t> (short for </a:t>
+            </a:r>
+            <a:r>
+              <a:rPr lang="en-US" b="1" cap="none" dirty="0" smtClean="0">
+                <a:latin typeface="Times New Roman" charset="0"/>
+                <a:ea typeface="Times New Roman" charset="0"/>
+                <a:cs typeface="Times New Roman" charset="0"/>
+              </a:rPr>
+              <a:t>dynamic set</a:t>
+            </a:r>
+            <a:r>
+              <a:rPr lang="en-US" cap="none" dirty="0" smtClean="0">
+                <a:latin typeface="Times New Roman" charset="0"/>
+                <a:ea typeface="Times New Roman" charset="0"/>
+                <a:cs typeface="Times New Roman" charset="0"/>
+              </a:rPr>
+              <a:t>) is a set of data that is dynamically linked back to the </a:t>
+            </a:r>
+            <a:r>
+              <a:rPr lang="en-US" u="sng" cap="none" dirty="0" smtClean="0">
+                <a:latin typeface="Times New Roman" charset="0"/>
+                <a:ea typeface="Times New Roman" charset="0"/>
+                <a:cs typeface="Times New Roman" charset="0"/>
+                <a:hlinkClick r:id="rId2"/>
+              </a:rPr>
+              <a:t>database</a:t>
+            </a:r>
+            <a:r>
+              <a:rPr lang="en-US" cap="none" dirty="0" smtClean="0">
+                <a:latin typeface="Times New Roman" charset="0"/>
+                <a:ea typeface="Times New Roman" charset="0"/>
+                <a:cs typeface="Times New Roman" charset="0"/>
+              </a:rPr>
+              <a:t>. </a:t>
+            </a:r>
+          </a:p>
+          <a:p>
+            <a:r>
+              <a:rPr lang="en-US" cap="none" dirty="0" smtClean="0">
+                <a:latin typeface="Times New Roman" charset="0"/>
+                <a:ea typeface="Times New Roman" charset="0"/>
+                <a:cs typeface="Times New Roman" charset="0"/>
+              </a:rPr>
+              <a:t>Instead of having the query result stored in a temporary table, where the data cannot be updated directly by the user, the dynaset allows the user to view and update the data contained in the dynaset. Thus, if a university lecturer queried all students who received a distinction in their assignment and found an error in that student's record, they would only need to update the data in the dynaset, which would automatically update the student's database record without the need for them to send a specific update query after storing the query results in a temporary table.</a:t>
+            </a:r>
+          </a:p>
+          <a:p>
+            <a:pPr marL="0" indent="0">
+              <a:buNone/>
+            </a:pPr>
+            <a:r>
+              <a:rPr lang="en-US" dirty="0"/>
+              <a:t/>
+            </a:r>
+            <a:br>
+              <a:rPr lang="en-US" dirty="0"/>
+            </a:br>
+            <a:endParaRPr lang="en-US" dirty="0"/>
+          </a:p>
+        </p:txBody>
+      </p:sp>
+    </p:spTree>
+    <p:extLst>
+      <p:ext uri="{BB962C8B-B14F-4D97-AF65-F5344CB8AC3E}">
+        <p14:creationId xmlns:p14="http://schemas.microsoft.com/office/powerpoint/2010/main" val="1144376547"/>
+      </p:ext>
+    </p:extLst>
+  </p:cSld>
+  <p:clrMapOvr>
+    <a:masterClrMapping/>
+  </p:clrMapOvr>
+  <p:timing>
+    <p:tnLst>
+      <p:par>
+        <p:cTn id="1" dur="indefinite" restart="never" nodeType="tmRoot"/>
+      </p:par>
+    </p:tnLst>
+  </p:timing>
+</p:sld>
+</file>
+
+<file path=ppt/slides/slide12.xml><?xml version="1.0" encoding="utf-8"?>
+<p:sld xmlns:a="http://schemas.openxmlformats.org/drawingml/2006/main" xmlns:r="http://schemas.openxmlformats.org/officeDocument/2006/relationships" xmlns:p="http://schemas.openxmlformats.org/presentationml/2006/main">
+  <p:cSld>
+    <p:spTree>
+      <p:nvGrpSpPr>
+        <p:cNvPr id="1" name=""/>
+        <p:cNvGrpSpPr/>
+        <p:nvPr/>
+      </p:nvGrpSpPr>
+      <p:grpSpPr>
+        <a:xfrm>
+          <a:off x="0" y="0"/>
+          <a:ext cx="0" cy="0"/>
+          <a:chOff x="0" y="0"/>
+          <a:chExt cx="0" cy="0"/>
+        </a:xfrm>
+      </p:grpSpPr>
+      <p:sp>
+        <p:nvSpPr>
+          <p:cNvPr id="2" name="Title 1"/>
+          <p:cNvSpPr>
+            <a:spLocks noGrp="1"/>
+          </p:cNvSpPr>
+          <p:nvPr>
+            <p:ph type="title"/>
+          </p:nvPr>
+        </p:nvSpPr>
+        <p:spPr>
+          <a:xfrm>
+            <a:off x="3713206" y="2119183"/>
+            <a:ext cx="10396882" cy="1151965"/>
+          </a:xfrm>
+        </p:spPr>
+        <p:txBody>
+          <a:bodyPr/>
+          <a:lstStyle/>
+          <a:p>
+            <a:r>
+              <a:rPr lang="en-US" smtClean="0"/>
+              <a:t>THANK YOU</a:t>
+            </a:r>
+            <a:endParaRPr lang="en-US"/>
+          </a:p>
+        </p:txBody>
+      </p:sp>
+    </p:spTree>
+    <p:extLst>
+      <p:ext uri="{BB962C8B-B14F-4D97-AF65-F5344CB8AC3E}">
+        <p14:creationId xmlns:p14="http://schemas.microsoft.com/office/powerpoint/2010/main" val="1598655222"/>
+      </p:ext>
+    </p:extLst>
+  </p:cSld>
+  <p:clrMapOvr>
+    <a:masterClrMapping/>
+  </p:clrMapOvr>
+  <p:timing>
+    <p:tnLst>
+      <p:par>
+        <p:cTn id="1" dur="indefinite" restart="never" nodeType="tmRoot"/>
+      </p:par>
+    </p:tnLst>
+  </p:timing>
+</p:sld>
+</file>
+
 <file path=ppt/slides/slide2.xml><?xml version="1.0" encoding="utf-8"?>
 <p:sld xmlns:a="http://schemas.openxmlformats.org/drawingml/2006/main" xmlns:r="http://schemas.openxmlformats.org/officeDocument/2006/relationships" xmlns:p="http://schemas.openxmlformats.org/presentationml/2006/main">
   <p:cSld>
@@ -6226,7 +6828,7 @@
         </p:nvSpPr>
         <p:spPr>
           <a:xfrm>
-            <a:off x="687976" y="352168"/>
+            <a:off x="984538" y="352168"/>
             <a:ext cx="10396882" cy="1151965"/>
           </a:xfrm>
         </p:spPr>
@@ -6235,10 +6837,18 @@
           <a:lstStyle/>
           <a:p>
             <a:r>
-              <a:rPr lang="en-US" dirty="0" smtClean="0"/>
+              <a:rPr lang="en-US" dirty="0" smtClean="0">
+                <a:solidFill>
+                  <a:schemeClr val="tx1"/>
+                </a:solidFill>
+              </a:rPr>
               <a:t>Introduction:</a:t>
             </a:r>
-            <a:endParaRPr lang="en-US" dirty="0"/>
+            <a:endParaRPr lang="en-US" dirty="0">
+              <a:solidFill>
+                <a:schemeClr val="tx1"/>
+              </a:solidFill>
+            </a:endParaRPr>
           </a:p>
         </p:txBody>
       </p:sp>
@@ -6263,64 +6873,107 @@
           <a:lstStyle/>
           <a:p>
             <a:r>
-              <a:rPr lang="en-US" dirty="0"/>
-              <a:t>In </a:t>
-            </a:r>
-            <a:r>
-              <a:rPr lang="en-US" dirty="0">
+              <a:rPr lang="en-US" cap="none" dirty="0">
+                <a:latin typeface="Times New Roman" charset="0"/>
+                <a:ea typeface="Times New Roman" charset="0"/>
+                <a:cs typeface="Times New Roman" charset="0"/>
+              </a:rPr>
+              <a:t>I</a:t>
+            </a:r>
+            <a:r>
+              <a:rPr lang="en-US" cap="none" dirty="0" smtClean="0">
+                <a:latin typeface="Times New Roman" charset="0"/>
+                <a:ea typeface="Times New Roman" charset="0"/>
+                <a:cs typeface="Times New Roman" charset="0"/>
+              </a:rPr>
+              <a:t>n </a:t>
+            </a:r>
+            <a:r>
+              <a:rPr lang="en-US" cap="none" dirty="0" smtClean="0">
+                <a:latin typeface="Times New Roman" charset="0"/>
+                <a:ea typeface="Times New Roman" charset="0"/>
+                <a:cs typeface="Times New Roman" charset="0"/>
                 <a:hlinkClick r:id="rId2"/>
               </a:rPr>
               <a:t>computer science, </a:t>
             </a:r>
             <a:r>
-              <a:rPr lang="en-US" b="1" dirty="0">
+              <a:rPr lang="en-US" b="1" cap="none" dirty="0" smtClean="0">
+                <a:latin typeface="Times New Roman" charset="0"/>
+                <a:ea typeface="Times New Roman" charset="0"/>
+                <a:cs typeface="Times New Roman" charset="0"/>
                 <a:hlinkClick r:id="rId2"/>
               </a:rPr>
               <a:t>weight-balanced binary trees</a:t>
             </a:r>
             <a:r>
-              <a:rPr lang="en-US" dirty="0">
+              <a:rPr lang="en-US" cap="none" dirty="0" smtClean="0">
+                <a:latin typeface="Times New Roman" charset="0"/>
+                <a:ea typeface="Times New Roman" charset="0"/>
+                <a:cs typeface="Times New Roman" charset="0"/>
                 <a:hlinkClick r:id="rId2"/>
               </a:rPr>
               <a:t> (</a:t>
             </a:r>
             <a:r>
-              <a:rPr lang="en-US" b="1" dirty="0">
+              <a:rPr lang="en-US" b="1" cap="none" dirty="0" smtClean="0">
+                <a:latin typeface="Times New Roman" charset="0"/>
+                <a:ea typeface="Times New Roman" charset="0"/>
+                <a:cs typeface="Times New Roman" charset="0"/>
                 <a:hlinkClick r:id="rId2"/>
               </a:rPr>
-              <a:t>WBTs</a:t>
-            </a:r>
-            <a:r>
-              <a:rPr lang="en-US" dirty="0">
+              <a:t>wbts</a:t>
+            </a:r>
+            <a:r>
+              <a:rPr lang="en-US" cap="none" dirty="0" smtClean="0">
+                <a:latin typeface="Times New Roman" charset="0"/>
+                <a:ea typeface="Times New Roman" charset="0"/>
+                <a:cs typeface="Times New Roman" charset="0"/>
                 <a:hlinkClick r:id="rId2"/>
               </a:rPr>
               <a:t>) are a type of </a:t>
             </a:r>
             <a:r>
-              <a:rPr lang="en-US" dirty="0">
+              <a:rPr lang="en-US" cap="none" dirty="0" smtClean="0">
+                <a:latin typeface="Times New Roman" charset="0"/>
+                <a:ea typeface="Times New Roman" charset="0"/>
+                <a:cs typeface="Times New Roman" charset="0"/>
                 <a:hlinkClick r:id="rId3"/>
               </a:rPr>
               <a:t>self-balancing binary search trees that can be used to implement </a:t>
             </a:r>
             <a:r>
-              <a:rPr lang="en-US" dirty="0">
+              <a:rPr lang="en-US" cap="none" dirty="0" smtClean="0">
+                <a:latin typeface="Times New Roman" charset="0"/>
+                <a:ea typeface="Times New Roman" charset="0"/>
+                <a:cs typeface="Times New Roman" charset="0"/>
                 <a:hlinkClick r:id="rId4"/>
               </a:rPr>
               <a:t>dynamic sets, </a:t>
             </a:r>
             <a:r>
-              <a:rPr lang="en-US" dirty="0">
+              <a:rPr lang="en-US" cap="none" dirty="0" smtClean="0">
+                <a:latin typeface="Times New Roman" charset="0"/>
+                <a:ea typeface="Times New Roman" charset="0"/>
+                <a:cs typeface="Times New Roman" charset="0"/>
                 <a:hlinkClick r:id="rId5"/>
               </a:rPr>
               <a:t>dictionaries (maps) and sequences</a:t>
             </a:r>
             <a:r>
               <a:rPr lang="en-US" dirty="0" smtClean="0">
+                <a:latin typeface="Times New Roman" charset="0"/>
+                <a:ea typeface="Times New Roman" charset="0"/>
+                <a:cs typeface="Times New Roman" charset="0"/>
                 <a:hlinkClick r:id="rId5"/>
               </a:rPr>
               <a:t>.</a:t>
             </a:r>
-            <a:endParaRPr lang="en-US" dirty="0" smtClean="0"/>
+            <a:endParaRPr lang="en-US" dirty="0" smtClean="0">
+              <a:latin typeface="Times New Roman" charset="0"/>
+              <a:ea typeface="Times New Roman" charset="0"/>
+              <a:cs typeface="Times New Roman" charset="0"/>
+            </a:endParaRPr>
           </a:p>
           <a:p>
             <a:endParaRPr lang="en-US" dirty="0" smtClean="0"/>
@@ -6383,16 +7036,29 @@
             <p:ph type="title"/>
           </p:nvPr>
         </p:nvSpPr>
-        <p:spPr/>
+        <p:spPr>
+          <a:xfrm>
+            <a:off x="840259" y="685800"/>
+            <a:ext cx="10810835" cy="1151965"/>
+          </a:xfrm>
+        </p:spPr>
         <p:txBody>
           <a:bodyPr/>
           <a:lstStyle/>
           <a:p>
             <a:r>
-              <a:rPr lang="en-US" dirty="0" smtClean="0"/>
+              <a:rPr lang="en-US" dirty="0" smtClean="0">
+                <a:solidFill>
+                  <a:schemeClr val="tx1"/>
+                </a:solidFill>
+              </a:rPr>
               <a:t>HOW it works?</a:t>
             </a:r>
-            <a:endParaRPr lang="en-US" dirty="0"/>
+            <a:endParaRPr lang="en-US" dirty="0">
+              <a:solidFill>
+                <a:schemeClr val="tx1"/>
+              </a:solidFill>
+            </a:endParaRPr>
           </a:p>
         </p:txBody>
       </p:sp>
@@ -6409,92 +7075,146 @@
         <p:spPr/>
         <p:txBody>
           <a:bodyPr>
-            <a:normAutofit fontScale="85000" lnSpcReduction="20000"/>
+            <a:normAutofit fontScale="85000" lnSpcReduction="10000"/>
           </a:bodyPr>
           <a:lstStyle/>
           <a:p>
             <a:r>
-              <a:rPr lang="en-US" dirty="0"/>
-              <a:t>Like other self-balancing trees, WBTs store bookkeeping information pertaining to balance in their nodes and perform </a:t>
-            </a:r>
-            <a:r>
-              <a:rPr lang="en-US" dirty="0">
+              <a:rPr lang="en-US" cap="none" dirty="0" smtClean="0">
+                <a:latin typeface="Times New Roman" charset="0"/>
+                <a:ea typeface="Times New Roman" charset="0"/>
+                <a:cs typeface="Times New Roman" charset="0"/>
+              </a:rPr>
+              <a:t>Like other self-balancing trees, </a:t>
+            </a:r>
+            <a:r>
+              <a:rPr lang="en-US" cap="none" dirty="0" err="1" smtClean="0">
+                <a:latin typeface="Times New Roman" charset="0"/>
+                <a:ea typeface="Times New Roman" charset="0"/>
+                <a:cs typeface="Times New Roman" charset="0"/>
+              </a:rPr>
+              <a:t>wbts</a:t>
+            </a:r>
+            <a:r>
+              <a:rPr lang="en-US" cap="none" dirty="0" smtClean="0">
+                <a:latin typeface="Times New Roman" charset="0"/>
+                <a:ea typeface="Times New Roman" charset="0"/>
+                <a:cs typeface="Times New Roman" charset="0"/>
+              </a:rPr>
+              <a:t> store bookkeeping information pertaining to balance in their nodes and perform </a:t>
+            </a:r>
+            <a:r>
+              <a:rPr lang="en-US" cap="none" dirty="0" smtClean="0">
+                <a:latin typeface="Times New Roman" charset="0"/>
+                <a:ea typeface="Times New Roman" charset="0"/>
+                <a:cs typeface="Times New Roman" charset="0"/>
                 <a:hlinkClick r:id="rId2"/>
               </a:rPr>
-              <a:t>rotations to restore balance when it is disturbed by insertion or deletion operations. Specifically, each node stores the size of the subtree rooted at the node, and the sizes of left and right subtrees are kept within some factor of each other. Unlike the balance information in </a:t>
-            </a:r>
-            <a:r>
-              <a:rPr lang="en-US" dirty="0">
+              <a:t>rotations to restore balance when it is disturbed by insertion or deletion operations. specifically, each node stores the size of the subtree rooted at the node, and the sizes of left and right subtrees are kept within some factor of each other. unlike the balance information in </a:t>
+            </a:r>
+            <a:r>
+              <a:rPr lang="en-US" cap="none" dirty="0" smtClean="0">
+                <a:latin typeface="Times New Roman" charset="0"/>
+                <a:ea typeface="Times New Roman" charset="0"/>
+                <a:cs typeface="Times New Roman" charset="0"/>
                 <a:hlinkClick r:id="rId3"/>
               </a:rPr>
-              <a:t>AVL trees (which store the height of subtrees) and </a:t>
-            </a:r>
-            <a:r>
-              <a:rPr lang="en-US" dirty="0">
+              <a:t>avl trees (which store the height of subtrees) and </a:t>
+            </a:r>
+            <a:r>
+              <a:rPr lang="en-US" cap="none" dirty="0" smtClean="0">
+                <a:latin typeface="Times New Roman" charset="0"/>
+                <a:ea typeface="Times New Roman" charset="0"/>
+                <a:cs typeface="Times New Roman" charset="0"/>
                 <a:hlinkClick r:id="rId4"/>
               </a:rPr>
-              <a:t>red-black trees (which store a fictional "color" bit), the bookkeeping information in a WBT is an actually useful property for applications: the number of elements in a tree is equal to the size of its root, and the size information is exactly the information needed to implement the operations of an </a:t>
-            </a:r>
-            <a:r>
-              <a:rPr lang="en-US" dirty="0">
+              <a:t>red-black trees (which store a fictional "color" bit), the bookkeeping information in a wbt is an actually useful property for applications: the number of elements in a tree is equal to the size of its root, and the size information is exactly the information needed to implement the operations of an </a:t>
+            </a:r>
+            <a:r>
+              <a:rPr lang="en-US" cap="none" dirty="0" smtClean="0">
+                <a:latin typeface="Times New Roman" charset="0"/>
+                <a:ea typeface="Times New Roman" charset="0"/>
+                <a:cs typeface="Times New Roman" charset="0"/>
                 <a:hlinkClick r:id="rId5"/>
               </a:rPr>
               <a:t>order statistic tree, viz., getting the </a:t>
             </a:r>
             <a:r>
-              <a:rPr lang="en-US" i="1" dirty="0">
+              <a:rPr lang="en-US" i="1" cap="none" dirty="0" smtClean="0">
+                <a:latin typeface="Times New Roman" charset="0"/>
+                <a:ea typeface="Times New Roman" charset="0"/>
+                <a:cs typeface="Times New Roman" charset="0"/>
                 <a:hlinkClick r:id="rId5"/>
               </a:rPr>
               <a:t>n</a:t>
             </a:r>
             <a:r>
-              <a:rPr lang="en-US" dirty="0">
+              <a:rPr lang="en-US" cap="none" dirty="0" smtClean="0">
+                <a:latin typeface="Times New Roman" charset="0"/>
+                <a:ea typeface="Times New Roman" charset="0"/>
+                <a:cs typeface="Times New Roman" charset="0"/>
                 <a:hlinkClick r:id="rId5"/>
               </a:rPr>
-              <a:t>'th largest element in a set or determining an element's index in sorted order</a:t>
-            </a:r>
-            <a:r>
-              <a:rPr lang="en-US" dirty="0" smtClean="0">
-                <a:hlinkClick r:id="rId5"/>
+              <a:t>'th largest element in a set or determining an element's index in sorted order.</a:t>
+            </a:r>
+          </a:p>
+          <a:p>
+            <a:r>
+              <a:rPr lang="en-US" cap="none" dirty="0" smtClean="0">
+                <a:latin typeface="Times New Roman" charset="0"/>
+                <a:ea typeface="Times New Roman" charset="0"/>
+                <a:cs typeface="Times New Roman" charset="0"/>
+              </a:rPr>
+              <a:t>weight-balanced trees are popular in the </a:t>
+            </a:r>
+            <a:r>
+              <a:rPr lang="en-US" cap="none" dirty="0" smtClean="0">
+                <a:latin typeface="Times New Roman" charset="0"/>
+                <a:ea typeface="Times New Roman" charset="0"/>
+                <a:cs typeface="Times New Roman" charset="0"/>
+                <a:hlinkClick r:id="rId6"/>
+              </a:rPr>
+              <a:t>functional programming community and are used to implement sets and maps in </a:t>
+            </a:r>
+            <a:r>
+              <a:rPr lang="en-US" cap="none" dirty="0" smtClean="0">
+                <a:latin typeface="Times New Roman" charset="0"/>
+                <a:ea typeface="Times New Roman" charset="0"/>
+                <a:cs typeface="Times New Roman" charset="0"/>
+                <a:hlinkClick r:id="rId7"/>
+              </a:rPr>
+              <a:t>mit scheme, </a:t>
+            </a:r>
+            <a:r>
+              <a:rPr lang="en-US" cap="none" dirty="0" smtClean="0">
+                <a:latin typeface="Times New Roman" charset="0"/>
+                <a:ea typeface="Times New Roman" charset="0"/>
+                <a:cs typeface="Times New Roman" charset="0"/>
+                <a:hlinkClick r:id="rId8"/>
+              </a:rPr>
+              <a:t>slib and implementations of </a:t>
+            </a:r>
+            <a:r>
+              <a:rPr lang="en-US" cap="none" dirty="0" err="1" smtClean="0">
+                <a:latin typeface="Times New Roman" charset="0"/>
+                <a:ea typeface="Times New Roman" charset="0"/>
+                <a:cs typeface="Times New Roman" charset="0"/>
+              </a:rPr>
+              <a:t>haskell</a:t>
+            </a:r>
+            <a:r>
+              <a:rPr lang="en-US" cap="none" dirty="0" smtClean="0">
+                <a:latin typeface="Times New Roman" charset="0"/>
+                <a:ea typeface="Times New Roman" charset="0"/>
+                <a:cs typeface="Times New Roman" charset="0"/>
               </a:rPr>
               <a:t>.</a:t>
             </a:r>
-            <a:endParaRPr lang="en-US" dirty="0">
-              <a:hlinkClick r:id="rId5"/>
+            <a:endParaRPr lang="en-US" cap="none" dirty="0">
+              <a:latin typeface="Times New Roman" charset="0"/>
+              <a:ea typeface="Times New Roman" charset="0"/>
+              <a:cs typeface="Times New Roman" charset="0"/>
             </a:endParaRPr>
-          </a:p>
-          <a:p>
-            <a:r>
-              <a:rPr lang="en-US" dirty="0"/>
-              <a:t>Weight-balanced trees are popular in the </a:t>
-            </a:r>
-            <a:r>
-              <a:rPr lang="en-US" dirty="0">
-                <a:hlinkClick r:id="rId6"/>
-              </a:rPr>
-              <a:t>functional programming community and are used to implement sets and maps in </a:t>
-            </a:r>
-            <a:r>
-              <a:rPr lang="en-US" dirty="0">
-                <a:hlinkClick r:id="rId7"/>
-              </a:rPr>
-              <a:t>MIT Scheme, </a:t>
-            </a:r>
-            <a:r>
-              <a:rPr lang="en-US" dirty="0">
-                <a:hlinkClick r:id="rId8"/>
-              </a:rPr>
-              <a:t>SLIB and implementations of </a:t>
-            </a:r>
-            <a:r>
-              <a:rPr lang="en-US" dirty="0"/>
-              <a:t>Haskell</a:t>
-            </a:r>
-            <a:r>
-              <a:rPr lang="en-US" dirty="0" smtClean="0"/>
-              <a:t>.</a:t>
-            </a:r>
-            <a:endParaRPr lang="en-US" dirty="0"/>
           </a:p>
         </p:txBody>
       </p:sp>
@@ -6586,64 +7306,120 @@
           <a:lstStyle/>
           <a:p>
             <a:r>
-              <a:rPr lang="en-US" dirty="0"/>
+              <a:rPr lang="en-US" cap="none" dirty="0" smtClean="0">
+                <a:latin typeface="Times New Roman" charset="0"/>
+                <a:ea typeface="Times New Roman" charset="0"/>
+                <a:cs typeface="Times New Roman" charset="0"/>
+              </a:rPr>
               <a:t>A weight-balanced tree is a binary search tree that stores the sizes of </a:t>
             </a:r>
             <a:r>
-              <a:rPr lang="en-US" dirty="0" err="1"/>
+              <a:rPr lang="en-US" cap="none" dirty="0" err="1" smtClean="0">
+                <a:latin typeface="Times New Roman" charset="0"/>
+                <a:ea typeface="Times New Roman" charset="0"/>
+                <a:cs typeface="Times New Roman" charset="0"/>
+              </a:rPr>
               <a:t>subtrees</a:t>
             </a:r>
             <a:r>
-              <a:rPr lang="en-US" dirty="0"/>
+              <a:rPr lang="en-US" cap="none" dirty="0" smtClean="0">
+                <a:latin typeface="Times New Roman" charset="0"/>
+                <a:ea typeface="Times New Roman" charset="0"/>
+                <a:cs typeface="Times New Roman" charset="0"/>
+              </a:rPr>
               <a:t> in the nodes. That is, a node has fields</a:t>
             </a:r>
           </a:p>
           <a:p>
             <a:r>
-              <a:rPr lang="en-US" i="1" dirty="0"/>
-              <a:t>key</a:t>
-            </a:r>
-            <a:r>
-              <a:rPr lang="en-US" dirty="0"/>
+              <a:rPr lang="en-US" i="1" cap="none" dirty="0" smtClean="0">
+                <a:latin typeface="Times New Roman" charset="0"/>
+                <a:ea typeface="Times New Roman" charset="0"/>
+                <a:cs typeface="Times New Roman" charset="0"/>
+              </a:rPr>
+              <a:t>Key</a:t>
+            </a:r>
+            <a:r>
+              <a:rPr lang="en-US" cap="none" dirty="0" smtClean="0">
+                <a:latin typeface="Times New Roman" charset="0"/>
+                <a:ea typeface="Times New Roman" charset="0"/>
+                <a:cs typeface="Times New Roman" charset="0"/>
+              </a:rPr>
               <a:t>, of any ordered type</a:t>
             </a:r>
           </a:p>
           <a:p>
             <a:r>
-              <a:rPr lang="en-US" i="1" dirty="0"/>
-              <a:t>value</a:t>
-            </a:r>
-            <a:r>
-              <a:rPr lang="en-US" dirty="0"/>
+              <a:rPr lang="en-US" i="1" cap="none" dirty="0" smtClean="0">
+                <a:latin typeface="Times New Roman" charset="0"/>
+                <a:ea typeface="Times New Roman" charset="0"/>
+                <a:cs typeface="Times New Roman" charset="0"/>
+              </a:rPr>
+              <a:t>Value</a:t>
+            </a:r>
+            <a:r>
+              <a:rPr lang="en-US" cap="none" dirty="0" smtClean="0">
+                <a:latin typeface="Times New Roman" charset="0"/>
+                <a:ea typeface="Times New Roman" charset="0"/>
+                <a:cs typeface="Times New Roman" charset="0"/>
+              </a:rPr>
               <a:t> (optional, only for mappings)</a:t>
             </a:r>
           </a:p>
           <a:p>
             <a:r>
-              <a:rPr lang="en-US" i="1" dirty="0"/>
-              <a:t>left</a:t>
-            </a:r>
-            <a:r>
-              <a:rPr lang="en-US" dirty="0"/>
+              <a:rPr lang="en-US" i="1" cap="none" dirty="0" smtClean="0">
+                <a:latin typeface="Times New Roman" charset="0"/>
+                <a:ea typeface="Times New Roman" charset="0"/>
+                <a:cs typeface="Times New Roman" charset="0"/>
+              </a:rPr>
+              <a:t>Left</a:t>
+            </a:r>
+            <a:r>
+              <a:rPr lang="en-US" cap="none" dirty="0" smtClean="0">
+                <a:latin typeface="Times New Roman" charset="0"/>
+                <a:ea typeface="Times New Roman" charset="0"/>
+                <a:cs typeface="Times New Roman" charset="0"/>
+              </a:rPr>
               <a:t>, </a:t>
             </a:r>
             <a:r>
-              <a:rPr lang="en-US" i="1" dirty="0"/>
+              <a:rPr lang="en-US" i="1" cap="none" dirty="0" smtClean="0">
+                <a:latin typeface="Times New Roman" charset="0"/>
+                <a:ea typeface="Times New Roman" charset="0"/>
+                <a:cs typeface="Times New Roman" charset="0"/>
+              </a:rPr>
               <a:t>right</a:t>
             </a:r>
             <a:r>
-              <a:rPr lang="en-US" dirty="0"/>
+              <a:rPr lang="en-US" cap="none" dirty="0" smtClean="0">
+                <a:latin typeface="Times New Roman" charset="0"/>
+                <a:ea typeface="Times New Roman" charset="0"/>
+                <a:cs typeface="Times New Roman" charset="0"/>
+              </a:rPr>
               <a:t>, pointer to node</a:t>
             </a:r>
           </a:p>
           <a:p>
             <a:r>
-              <a:rPr lang="en-US" i="1" dirty="0"/>
-              <a:t>size</a:t>
-            </a:r>
-            <a:r>
-              <a:rPr lang="en-US" dirty="0"/>
-              <a:t>, of type integer.</a:t>
+              <a:rPr lang="en-US" i="1" cap="none" dirty="0" smtClean="0">
+                <a:latin typeface="Times New Roman" charset="0"/>
+                <a:ea typeface="Times New Roman" charset="0"/>
+                <a:cs typeface="Times New Roman" charset="0"/>
+              </a:rPr>
+              <a:t>Size</a:t>
+            </a:r>
+            <a:r>
+              <a:rPr lang="en-US" cap="none" dirty="0" smtClean="0">
+                <a:latin typeface="Times New Roman" charset="0"/>
+                <a:ea typeface="Times New Roman" charset="0"/>
+                <a:cs typeface="Times New Roman" charset="0"/>
+              </a:rPr>
+              <a:t>, of type integer</a:t>
+            </a:r>
+            <a:r>
+              <a:rPr lang="en-US" dirty="0" smtClean="0"/>
+              <a:t>.</a:t>
             </a:r>
             <a:endParaRPr lang="en-US" dirty="0"/>
           </a:p>
@@ -6721,7 +7497,7 @@
         </p:nvSpPr>
         <p:spPr>
           <a:xfrm>
-            <a:off x="0" y="172995"/>
+            <a:off x="0" y="296562"/>
             <a:ext cx="11726562" cy="5399902"/>
           </a:xfrm>
         </p:spPr>
@@ -6735,12 +7511,12 @@
               <a:buNone/>
             </a:pPr>
             <a:r>
-              <a:rPr lang="en-US" cap="none" dirty="0"/>
-              <a:t>B</a:t>
-            </a:r>
-            <a:r>
-              <a:rPr lang="en-US" cap="none" dirty="0" smtClean="0"/>
-              <a:t>y definition, the size of a leaf  is zero. the size of an internal node </a:t>
+              <a:rPr lang="en-US" cap="none" dirty="0" smtClean="0">
+                <a:latin typeface="Times New Roman" charset="0"/>
+                <a:ea typeface="Times New Roman" charset="0"/>
+                <a:cs typeface="Times New Roman" charset="0"/>
+              </a:rPr>
+              <a:t>By definition, the size of a leaf  is zero. The size of an internal node </a:t>
             </a:r>
           </a:p>
           <a:p>
@@ -6748,23 +7524,43 @@
               <a:buNone/>
             </a:pPr>
             <a:r>
-              <a:rPr lang="en-US" cap="none" dirty="0" smtClean="0"/>
+              <a:rPr lang="en-US" cap="none" dirty="0" smtClean="0">
+                <a:latin typeface="Times New Roman" charset="0"/>
+                <a:ea typeface="Times New Roman" charset="0"/>
+                <a:cs typeface="Times New Roman" charset="0"/>
+              </a:rPr>
               <a:t>(size[n] = size[</a:t>
             </a:r>
             <a:r>
-              <a:rPr lang="en-US" cap="none" dirty="0" err="1" smtClean="0"/>
-              <a:t>n.left</a:t>
-            </a:r>
-            <a:r>
-              <a:rPr lang="en-US" cap="none" dirty="0" smtClean="0"/>
+              <a:rPr lang="en-US" cap="none" dirty="0" err="1" smtClean="0">
+                <a:latin typeface="Times New Roman" charset="0"/>
+                <a:ea typeface="Times New Roman" charset="0"/>
+                <a:cs typeface="Times New Roman" charset="0"/>
+              </a:rPr>
+              <a:t>n.Left</a:t>
+            </a:r>
+            <a:r>
+              <a:rPr lang="en-US" cap="none" dirty="0" smtClean="0">
+                <a:latin typeface="Times New Roman" charset="0"/>
+                <a:ea typeface="Times New Roman" charset="0"/>
+                <a:cs typeface="Times New Roman" charset="0"/>
+              </a:rPr>
               <a:t>] + size[</a:t>
             </a:r>
             <a:r>
-              <a:rPr lang="en-US" cap="none" dirty="0" err="1" smtClean="0"/>
-              <a:t>n.right</a:t>
-            </a:r>
-            <a:r>
-              <a:rPr lang="en-US" cap="none" dirty="0" smtClean="0"/>
+              <a:rPr lang="en-US" cap="none" dirty="0" err="1" smtClean="0">
+                <a:latin typeface="Times New Roman" charset="0"/>
+                <a:ea typeface="Times New Roman" charset="0"/>
+                <a:cs typeface="Times New Roman" charset="0"/>
+              </a:rPr>
+              <a:t>n.Right</a:t>
+            </a:r>
+            <a:r>
+              <a:rPr lang="en-US" cap="none" dirty="0" smtClean="0">
+                <a:latin typeface="Times New Roman" charset="0"/>
+                <a:ea typeface="Times New Roman" charset="0"/>
+                <a:cs typeface="Times New Roman" charset="0"/>
+              </a:rPr>
               <a:t>] + 1)</a:t>
             </a:r>
           </a:p>
@@ -6773,8 +7569,12 @@
               <a:buNone/>
             </a:pPr>
             <a:r>
-              <a:rPr lang="en-US" cap="none" dirty="0" smtClean="0"/>
-              <a:t> based on the size, </a:t>
+              <a:rPr lang="en-US" cap="none" dirty="0" smtClean="0">
+                <a:latin typeface="Times New Roman" charset="0"/>
+                <a:ea typeface="Times New Roman" charset="0"/>
+                <a:cs typeface="Times New Roman" charset="0"/>
+              </a:rPr>
+              <a:t> Based on the size, </a:t>
             </a:r>
           </a:p>
           <a:p>
@@ -6782,8 +7582,12 @@
               <a:buNone/>
             </a:pPr>
             <a:r>
-              <a:rPr lang="en-US" cap="none" dirty="0" smtClean="0"/>
-              <a:t>weight[n] = size[n] + 1</a:t>
+              <a:rPr lang="en-US" cap="none" dirty="0" smtClean="0">
+                <a:latin typeface="Times New Roman" charset="0"/>
+                <a:ea typeface="Times New Roman" charset="0"/>
+                <a:cs typeface="Times New Roman" charset="0"/>
+              </a:rPr>
+              <a:t>Weight[n] = size[n] + 1</a:t>
             </a:r>
           </a:p>
           <a:p>
@@ -6791,31 +7595,59 @@
               <a:buNone/>
             </a:pPr>
             <a:r>
-              <a:rPr lang="en-US" cap="none" dirty="0" smtClean="0"/>
-              <a:t>a node is </a:t>
-            </a:r>
-            <a:r>
-              <a:rPr lang="en-US" i="1" cap="none" dirty="0" smtClean="0"/>
+              <a:rPr lang="en-US" cap="none" dirty="0" smtClean="0">
+                <a:latin typeface="Times New Roman" charset="0"/>
+                <a:ea typeface="Times New Roman" charset="0"/>
+                <a:cs typeface="Times New Roman" charset="0"/>
+              </a:rPr>
+              <a:t>A node is </a:t>
+            </a:r>
+            <a:r>
+              <a:rPr lang="en-US" i="1" cap="none" dirty="0" smtClean="0">
+                <a:latin typeface="Times New Roman" charset="0"/>
+                <a:ea typeface="Times New Roman" charset="0"/>
+                <a:cs typeface="Times New Roman" charset="0"/>
+              </a:rPr>
               <a:t>α</a:t>
             </a:r>
             <a:r>
-              <a:rPr lang="en-US" cap="none" dirty="0" smtClean="0"/>
+              <a:rPr lang="en-US" cap="none" dirty="0" smtClean="0">
+                <a:latin typeface="Times New Roman" charset="0"/>
+                <a:ea typeface="Times New Roman" charset="0"/>
+                <a:cs typeface="Times New Roman" charset="0"/>
+              </a:rPr>
               <a:t>-weight-balanced if weight[</a:t>
             </a:r>
             <a:r>
-              <a:rPr lang="en-US" cap="none" dirty="0" err="1" smtClean="0"/>
-              <a:t>n.left</a:t>
-            </a:r>
-            <a:r>
-              <a:rPr lang="en-US" cap="none" dirty="0" smtClean="0"/>
+              <a:rPr lang="en-US" cap="none" dirty="0" err="1" smtClean="0">
+                <a:latin typeface="Times New Roman" charset="0"/>
+                <a:ea typeface="Times New Roman" charset="0"/>
+                <a:cs typeface="Times New Roman" charset="0"/>
+              </a:rPr>
+              <a:t>n.Left</a:t>
+            </a:r>
+            <a:r>
+              <a:rPr lang="en-US" cap="none" dirty="0" smtClean="0">
+                <a:latin typeface="Times New Roman" charset="0"/>
+                <a:ea typeface="Times New Roman" charset="0"/>
+                <a:cs typeface="Times New Roman" charset="0"/>
+              </a:rPr>
               <a:t>] ≥ α·weight[n] and weight[</a:t>
             </a:r>
             <a:r>
-              <a:rPr lang="en-US" cap="none" dirty="0" err="1" smtClean="0"/>
-              <a:t>n.right</a:t>
-            </a:r>
-            <a:r>
-              <a:rPr lang="en-US" cap="none" dirty="0" smtClean="0"/>
+              <a:rPr lang="en-US" cap="none" dirty="0" err="1" smtClean="0">
+                <a:latin typeface="Times New Roman" charset="0"/>
+                <a:ea typeface="Times New Roman" charset="0"/>
+                <a:cs typeface="Times New Roman" charset="0"/>
+              </a:rPr>
+              <a:t>n.Right</a:t>
+            </a:r>
+            <a:r>
+              <a:rPr lang="en-US" cap="none" dirty="0" smtClean="0">
+                <a:latin typeface="Times New Roman" charset="0"/>
+                <a:ea typeface="Times New Roman" charset="0"/>
+                <a:cs typeface="Times New Roman" charset="0"/>
+              </a:rPr>
               <a:t>] ≥ α·weight[n]</a:t>
             </a:r>
           </a:p>
@@ -6823,22 +7655,38 @@
             <a:pPr marL="0" indent="0">
               <a:buNone/>
             </a:pPr>
-            <a:endParaRPr lang="en-US" cap="none" dirty="0" smtClean="0"/>
+            <a:endParaRPr lang="en-US" cap="none" dirty="0" smtClean="0">
+              <a:latin typeface="Times New Roman" charset="0"/>
+              <a:ea typeface="Times New Roman" charset="0"/>
+              <a:cs typeface="Times New Roman" charset="0"/>
+            </a:endParaRPr>
           </a:p>
           <a:p>
             <a:pPr marL="0" indent="0">
               <a:buNone/>
             </a:pPr>
             <a:r>
-              <a:rPr lang="en-US" cap="none" dirty="0" smtClean="0"/>
+              <a:rPr lang="en-US" cap="none" dirty="0" smtClean="0">
+                <a:latin typeface="Times New Roman" charset="0"/>
+                <a:ea typeface="Times New Roman" charset="0"/>
+                <a:cs typeface="Times New Roman" charset="0"/>
+              </a:rPr>
               <a:t>A &lt; 1 </a:t>
             </a:r>
             <a:r>
-              <a:rPr lang="mr-IN" cap="none" dirty="0" smtClean="0"/>
+              <a:rPr lang="mr-IN" cap="none" dirty="0" smtClean="0">
+                <a:latin typeface="Times New Roman" charset="0"/>
+                <a:ea typeface="Times New Roman" charset="0"/>
+                <a:cs typeface="Times New Roman" charset="0"/>
+              </a:rPr>
               <a:t>–</a:t>
             </a:r>
             <a:r>
-              <a:rPr lang="en-US" cap="none" dirty="0" smtClean="0"/>
+              <a:rPr lang="en-US" cap="none" dirty="0" smtClean="0">
+                <a:latin typeface="Times New Roman" charset="0"/>
+                <a:ea typeface="Times New Roman" charset="0"/>
+                <a:cs typeface="Times New Roman" charset="0"/>
+              </a:rPr>
               <a:t> 1/1.414</a:t>
             </a:r>
           </a:p>
@@ -6847,7 +7695,11 @@
               <a:buNone/>
             </a:pPr>
             <a:r>
-              <a:rPr lang="en-US" cap="none" dirty="0" smtClean="0"/>
+              <a:rPr lang="en-US" cap="none" dirty="0" smtClean="0">
+                <a:latin typeface="Times New Roman" charset="0"/>
+                <a:ea typeface="Times New Roman" charset="0"/>
+                <a:cs typeface="Times New Roman" charset="0"/>
+              </a:rPr>
               <a:t>Larger values of a produce a more balanced tree</a:t>
             </a:r>
           </a:p>
@@ -6855,15 +7707,23 @@
             <a:pPr marL="0" indent="0">
               <a:buNone/>
             </a:pPr>
-            <a:endParaRPr lang="en-US" cap="none" dirty="0"/>
+            <a:endParaRPr lang="en-US" cap="none" dirty="0" smtClean="0">
+              <a:latin typeface="Times New Roman" charset="0"/>
+              <a:ea typeface="Times New Roman" charset="0"/>
+              <a:cs typeface="Times New Roman" charset="0"/>
+            </a:endParaRPr>
           </a:p>
           <a:p>
             <a:pPr marL="0" indent="0">
               <a:buNone/>
             </a:pPr>
             <a:r>
-              <a:rPr lang="en-US" cap="none" dirty="0" smtClean="0"/>
-              <a:t>On Calculating the</a:t>
+              <a:rPr lang="en-US" cap="none" dirty="0" smtClean="0">
+                <a:latin typeface="Times New Roman" charset="0"/>
+                <a:ea typeface="Times New Roman" charset="0"/>
+                <a:cs typeface="Times New Roman" charset="0"/>
+              </a:rPr>
+              <a:t>On calculating the</a:t>
             </a:r>
           </a:p>
           <a:p>
@@ -6871,14 +7731,13 @@
               <a:buNone/>
             </a:pPr>
             <a:r>
-              <a:rPr lang="en-US" cap="none" dirty="0" smtClean="0"/>
-              <a:t> height is less than and  equal  </a:t>
-            </a:r>
-            <a:r>
-              <a:rPr lang="en-US" cap="none" smtClean="0"/>
-              <a:t>to  O(log n )</a:t>
-            </a:r>
-            <a:endParaRPr lang="en-US" dirty="0" smtClean="0"/>
+              <a:rPr lang="en-US" cap="none" dirty="0" smtClean="0">
+                <a:latin typeface="Times New Roman" charset="0"/>
+                <a:ea typeface="Times New Roman" charset="0"/>
+                <a:cs typeface="Times New Roman" charset="0"/>
+              </a:rPr>
+              <a:t> Height is less than and  equal  to  o(log n )</a:t>
+            </a:r>
           </a:p>
           <a:p>
             <a:pPr marL="0" indent="0">
@@ -6892,6 +7751,1673 @@
     <p:extLst>
       <p:ext uri="{BB962C8B-B14F-4D97-AF65-F5344CB8AC3E}">
         <p14:creationId xmlns:p14="http://schemas.microsoft.com/office/powerpoint/2010/main" val="1815985057"/>
+      </p:ext>
+    </p:extLst>
+  </p:cSld>
+  <p:clrMapOvr>
+    <a:masterClrMapping/>
+  </p:clrMapOvr>
+  <p:timing>
+    <p:tnLst>
+      <p:par>
+        <p:cTn id="1" dur="indefinite" restart="never" nodeType="tmRoot"/>
+      </p:par>
+    </p:tnLst>
+  </p:timing>
+</p:sld>
+</file>
+
+<file path=ppt/slides/slide6.xml><?xml version="1.0" encoding="utf-8"?>
+<p:sld xmlns:a="http://schemas.openxmlformats.org/drawingml/2006/main" xmlns:r="http://schemas.openxmlformats.org/officeDocument/2006/relationships" xmlns:p="http://schemas.openxmlformats.org/presentationml/2006/main">
+  <p:cSld>
+    <p:spTree>
+      <p:nvGrpSpPr>
+        <p:cNvPr id="1" name=""/>
+        <p:cNvGrpSpPr/>
+        <p:nvPr/>
+      </p:nvGrpSpPr>
+      <p:grpSpPr>
+        <a:xfrm>
+          <a:off x="0" y="0"/>
+          <a:ext cx="0" cy="0"/>
+          <a:chOff x="0" y="0"/>
+          <a:chExt cx="0" cy="0"/>
+        </a:xfrm>
+      </p:grpSpPr>
+      <p:sp>
+        <p:nvSpPr>
+          <p:cNvPr id="2" name="Title 1"/>
+          <p:cNvSpPr>
+            <a:spLocks noGrp="1"/>
+          </p:cNvSpPr>
+          <p:nvPr>
+            <p:ph type="title"/>
+          </p:nvPr>
+        </p:nvSpPr>
+        <p:spPr>
+          <a:xfrm>
+            <a:off x="0" y="1"/>
+            <a:ext cx="11082683" cy="1050324"/>
+          </a:xfrm>
+        </p:spPr>
+        <p:txBody>
+          <a:bodyPr/>
+          <a:lstStyle/>
+          <a:p>
+            <a:r>
+              <a:rPr lang="en-US" dirty="0" err="1" smtClean="0"/>
+              <a:t>INSERTIOn</a:t>
+            </a:r>
+            <a:endParaRPr lang="en-US" dirty="0"/>
+          </a:p>
+        </p:txBody>
+      </p:sp>
+      <p:sp>
+        <p:nvSpPr>
+          <p:cNvPr id="3" name="Content Placeholder 2"/>
+          <p:cNvSpPr>
+            <a:spLocks noGrp="1"/>
+          </p:cNvSpPr>
+          <p:nvPr>
+            <p:ph sz="quarter" idx="13"/>
+          </p:nvPr>
+        </p:nvSpPr>
+        <p:spPr>
+          <a:xfrm>
+            <a:off x="2176" y="2014152"/>
+            <a:ext cx="11080507" cy="4410758"/>
+          </a:xfrm>
+        </p:spPr>
+        <p:txBody>
+          <a:bodyPr>
+            <a:normAutofit/>
+          </a:bodyPr>
+          <a:lstStyle/>
+          <a:p>
+            <a:r>
+              <a:rPr lang="en-US" cap="none" dirty="0" smtClean="0">
+                <a:latin typeface="Times New Roman" charset="0"/>
+                <a:ea typeface="Times New Roman" charset="0"/>
+                <a:cs typeface="Times New Roman" charset="0"/>
+              </a:rPr>
+              <a:t>Suppose we already have a weight-balanced BST. Insertion begins as in basic </a:t>
+            </a:r>
+            <a:r>
+              <a:rPr lang="en-US" cap="none" dirty="0" err="1" smtClean="0">
+                <a:latin typeface="Times New Roman" charset="0"/>
+                <a:ea typeface="Times New Roman" charset="0"/>
+                <a:cs typeface="Times New Roman" charset="0"/>
+              </a:rPr>
+              <a:t>bsts</a:t>
+            </a:r>
+            <a:r>
+              <a:rPr lang="en-US" cap="none" dirty="0" smtClean="0">
+                <a:latin typeface="Times New Roman" charset="0"/>
+                <a:ea typeface="Times New Roman" charset="0"/>
+                <a:cs typeface="Times New Roman" charset="0"/>
+              </a:rPr>
+              <a:t>: attempt a lookup, if it fails and stops at node </a:t>
+            </a:r>
+            <a:r>
+              <a:rPr lang="en-US" i="1" cap="none" dirty="0" smtClean="0">
+                <a:latin typeface="Times New Roman" charset="0"/>
+                <a:ea typeface="Times New Roman" charset="0"/>
+                <a:cs typeface="Times New Roman" charset="0"/>
+              </a:rPr>
+              <a:t>u </a:t>
+            </a:r>
+            <a:r>
+              <a:rPr lang="en-US" cap="none" dirty="0" smtClean="0">
+                <a:latin typeface="Times New Roman" charset="0"/>
+                <a:ea typeface="Times New Roman" charset="0"/>
+                <a:cs typeface="Times New Roman" charset="0"/>
+              </a:rPr>
+              <a:t>(say), then add a new node as a new child of </a:t>
+            </a:r>
+            <a:r>
+              <a:rPr lang="en-US" i="1" cap="none" dirty="0" smtClean="0">
+                <a:latin typeface="Times New Roman" charset="0"/>
+                <a:ea typeface="Times New Roman" charset="0"/>
+                <a:cs typeface="Times New Roman" charset="0"/>
+              </a:rPr>
+              <a:t>u</a:t>
+            </a:r>
+            <a:r>
+              <a:rPr lang="en-US" cap="none" dirty="0" smtClean="0">
+                <a:latin typeface="Times New Roman" charset="0"/>
+                <a:ea typeface="Times New Roman" charset="0"/>
+                <a:cs typeface="Times New Roman" charset="0"/>
+              </a:rPr>
+              <a:t>. Now each ancestor of </a:t>
+            </a:r>
+            <a:r>
+              <a:rPr lang="en-US" i="1" cap="none" dirty="0" smtClean="0">
+                <a:latin typeface="Times New Roman" charset="0"/>
+                <a:ea typeface="Times New Roman" charset="0"/>
+                <a:cs typeface="Times New Roman" charset="0"/>
+              </a:rPr>
+              <a:t>u  </a:t>
+            </a:r>
+            <a:r>
+              <a:rPr lang="en-US" cap="none" dirty="0" smtClean="0">
+                <a:latin typeface="Times New Roman" charset="0"/>
+                <a:ea typeface="Times New Roman" charset="0"/>
+                <a:cs typeface="Times New Roman" charset="0"/>
+              </a:rPr>
+              <a:t>may become unbalanced. </a:t>
+            </a:r>
+          </a:p>
+          <a:p>
+            <a:r>
+              <a:rPr lang="en-US" cap="none" dirty="0" smtClean="0">
+                <a:latin typeface="Times New Roman" charset="0"/>
+                <a:ea typeface="Times New Roman" charset="0"/>
+                <a:cs typeface="Times New Roman" charset="0"/>
+              </a:rPr>
+              <a:t>To fix this, for each node </a:t>
+            </a:r>
+            <a:r>
+              <a:rPr lang="en-US" i="1" cap="none" dirty="0" smtClean="0">
+                <a:latin typeface="Times New Roman" charset="0"/>
+                <a:ea typeface="Times New Roman" charset="0"/>
+                <a:cs typeface="Times New Roman" charset="0"/>
+              </a:rPr>
+              <a:t>v  </a:t>
+            </a:r>
+            <a:r>
+              <a:rPr lang="en-US" cap="none" dirty="0" smtClean="0">
+                <a:latin typeface="Times New Roman" charset="0"/>
+                <a:ea typeface="Times New Roman" charset="0"/>
+                <a:cs typeface="Times New Roman" charset="0"/>
+              </a:rPr>
+              <a:t>from </a:t>
+            </a:r>
+            <a:r>
+              <a:rPr lang="en-US" i="1" cap="none" dirty="0" smtClean="0">
+                <a:latin typeface="Times New Roman" charset="0"/>
+                <a:ea typeface="Times New Roman" charset="0"/>
+                <a:cs typeface="Times New Roman" charset="0"/>
+              </a:rPr>
+              <a:t>u  </a:t>
+            </a:r>
+            <a:r>
+              <a:rPr lang="en-US" cap="none" dirty="0" smtClean="0">
+                <a:latin typeface="Times New Roman" charset="0"/>
+                <a:ea typeface="Times New Roman" charset="0"/>
+                <a:cs typeface="Times New Roman" charset="0"/>
+              </a:rPr>
+              <a:t>to the root, in bottom-up order, we will check the balancing condition; where it is broken, we will perform a “rotation” to restore balance. </a:t>
+            </a:r>
+          </a:p>
+          <a:p>
+            <a:r>
+              <a:rPr lang="en-US" cap="none" dirty="0" smtClean="0">
+                <a:latin typeface="Times New Roman" charset="0"/>
+                <a:ea typeface="Times New Roman" charset="0"/>
+                <a:cs typeface="Times New Roman" charset="0"/>
+              </a:rPr>
+              <a:t>There are two cases </a:t>
+            </a:r>
+            <a:r>
+              <a:rPr lang="en-US" i="1" cap="none" dirty="0" smtClean="0">
+                <a:latin typeface="Times New Roman" charset="0"/>
+                <a:ea typeface="Times New Roman" charset="0"/>
+                <a:cs typeface="Times New Roman" charset="0"/>
+              </a:rPr>
+              <a:t>v </a:t>
+            </a:r>
+            <a:r>
+              <a:rPr lang="en-US" cap="none" dirty="0" smtClean="0">
+                <a:latin typeface="Times New Roman" charset="0"/>
+                <a:ea typeface="Times New Roman" charset="0"/>
+                <a:cs typeface="Times New Roman" charset="0"/>
+              </a:rPr>
+              <a:t>can be unbalanced, and they are mutually exclusive: either </a:t>
+            </a:r>
+          </a:p>
+          <a:p>
+            <a:r>
+              <a:rPr lang="en-US" i="1" cap="none" dirty="0" smtClean="0">
+                <a:latin typeface="Times New Roman" charset="0"/>
+                <a:ea typeface="Times New Roman" charset="0"/>
+                <a:cs typeface="Times New Roman" charset="0"/>
+              </a:rPr>
+              <a:t>Size</a:t>
+            </a:r>
+            <a:r>
+              <a:rPr lang="en-US" cap="none" dirty="0" smtClean="0">
+                <a:latin typeface="Times New Roman" charset="0"/>
+                <a:ea typeface="Times New Roman" charset="0"/>
+                <a:cs typeface="Times New Roman" charset="0"/>
+              </a:rPr>
+              <a:t>(</a:t>
+            </a:r>
+            <a:r>
+              <a:rPr lang="en-US" i="1" cap="none" dirty="0" err="1" smtClean="0">
+                <a:latin typeface="Times New Roman" charset="0"/>
+                <a:ea typeface="Times New Roman" charset="0"/>
+                <a:cs typeface="Times New Roman" charset="0"/>
+              </a:rPr>
+              <a:t>v</a:t>
+            </a:r>
+            <a:r>
+              <a:rPr lang="en-US" cap="none" dirty="0" err="1" smtClean="0">
+                <a:latin typeface="Times New Roman" charset="0"/>
+                <a:ea typeface="Times New Roman" charset="0"/>
+                <a:cs typeface="Times New Roman" charset="0"/>
+              </a:rPr>
+              <a:t>.</a:t>
+            </a:r>
+            <a:r>
+              <a:rPr lang="en-US" i="1" cap="none" dirty="0" err="1" smtClean="0">
+                <a:latin typeface="Times New Roman" charset="0"/>
+                <a:ea typeface="Times New Roman" charset="0"/>
+                <a:cs typeface="Times New Roman" charset="0"/>
+              </a:rPr>
+              <a:t>Left</a:t>
+            </a:r>
+            <a:r>
+              <a:rPr lang="en-US" cap="none" dirty="0" smtClean="0">
+                <a:latin typeface="Times New Roman" charset="0"/>
+                <a:ea typeface="Times New Roman" charset="0"/>
+                <a:cs typeface="Times New Roman" charset="0"/>
+              </a:rPr>
+              <a:t>) + 1 &gt; (</a:t>
+            </a:r>
+            <a:r>
+              <a:rPr lang="en-US" i="1" cap="none" dirty="0" smtClean="0">
+                <a:latin typeface="Times New Roman" charset="0"/>
+                <a:ea typeface="Times New Roman" charset="0"/>
+                <a:cs typeface="Times New Roman" charset="0"/>
+              </a:rPr>
+              <a:t>size</a:t>
+            </a:r>
+            <a:r>
+              <a:rPr lang="en-US" cap="none" dirty="0" smtClean="0">
+                <a:latin typeface="Times New Roman" charset="0"/>
+                <a:ea typeface="Times New Roman" charset="0"/>
+                <a:cs typeface="Times New Roman" charset="0"/>
+              </a:rPr>
+              <a:t>(</a:t>
+            </a:r>
+            <a:r>
+              <a:rPr lang="en-US" i="1" cap="none" dirty="0" err="1" smtClean="0">
+                <a:latin typeface="Times New Roman" charset="0"/>
+                <a:ea typeface="Times New Roman" charset="0"/>
+                <a:cs typeface="Times New Roman" charset="0"/>
+              </a:rPr>
+              <a:t>v</a:t>
+            </a:r>
+            <a:r>
+              <a:rPr lang="en-US" cap="none" dirty="0" err="1" smtClean="0">
+                <a:latin typeface="Times New Roman" charset="0"/>
+                <a:ea typeface="Times New Roman" charset="0"/>
+                <a:cs typeface="Times New Roman" charset="0"/>
+              </a:rPr>
+              <a:t>.</a:t>
+            </a:r>
+            <a:r>
+              <a:rPr lang="en-US" i="1" cap="none" dirty="0" err="1" smtClean="0">
+                <a:latin typeface="Times New Roman" charset="0"/>
+                <a:ea typeface="Times New Roman" charset="0"/>
+                <a:cs typeface="Times New Roman" charset="0"/>
+              </a:rPr>
+              <a:t>Right</a:t>
+            </a:r>
+            <a:r>
+              <a:rPr lang="en-US" cap="none" dirty="0" smtClean="0">
+                <a:latin typeface="Times New Roman" charset="0"/>
+                <a:ea typeface="Times New Roman" charset="0"/>
+                <a:cs typeface="Times New Roman" charset="0"/>
+              </a:rPr>
+              <a:t>) + 1) × 3 </a:t>
+            </a:r>
+          </a:p>
+          <a:p>
+            <a:r>
+              <a:rPr lang="en-US" cap="none" dirty="0" smtClean="0">
+                <a:latin typeface="Times New Roman" charset="0"/>
+                <a:ea typeface="Times New Roman" charset="0"/>
+                <a:cs typeface="Times New Roman" charset="0"/>
+              </a:rPr>
+              <a:t>Or</a:t>
+            </a:r>
+          </a:p>
+          <a:p>
+            <a:r>
+              <a:rPr lang="en-US" cap="none" dirty="0" smtClean="0">
+                <a:latin typeface="Times New Roman" charset="0"/>
+                <a:ea typeface="Times New Roman" charset="0"/>
+                <a:cs typeface="Times New Roman" charset="0"/>
+              </a:rPr>
+              <a:t>(</a:t>
+            </a:r>
+            <a:r>
+              <a:rPr lang="en-US" i="1" cap="none" dirty="0" smtClean="0">
+                <a:latin typeface="Times New Roman" charset="0"/>
+                <a:ea typeface="Times New Roman" charset="0"/>
+                <a:cs typeface="Times New Roman" charset="0"/>
+              </a:rPr>
+              <a:t>Size</a:t>
+            </a:r>
+            <a:r>
+              <a:rPr lang="en-US" cap="none" dirty="0" smtClean="0">
+                <a:latin typeface="Times New Roman" charset="0"/>
+                <a:ea typeface="Times New Roman" charset="0"/>
+                <a:cs typeface="Times New Roman" charset="0"/>
+              </a:rPr>
+              <a:t>(</a:t>
+            </a:r>
+            <a:r>
+              <a:rPr lang="en-US" i="1" cap="none" dirty="0" err="1" smtClean="0">
+                <a:latin typeface="Times New Roman" charset="0"/>
+                <a:ea typeface="Times New Roman" charset="0"/>
+                <a:cs typeface="Times New Roman" charset="0"/>
+              </a:rPr>
+              <a:t>v</a:t>
+            </a:r>
+            <a:r>
+              <a:rPr lang="en-US" cap="none" dirty="0" err="1" smtClean="0">
+                <a:latin typeface="Times New Roman" charset="0"/>
+                <a:ea typeface="Times New Roman" charset="0"/>
+                <a:cs typeface="Times New Roman" charset="0"/>
+              </a:rPr>
+              <a:t>.</a:t>
+            </a:r>
+            <a:r>
+              <a:rPr lang="en-US" i="1" cap="none" dirty="0" err="1" smtClean="0">
+                <a:latin typeface="Times New Roman" charset="0"/>
+                <a:ea typeface="Times New Roman" charset="0"/>
+                <a:cs typeface="Times New Roman" charset="0"/>
+              </a:rPr>
+              <a:t>Left</a:t>
+            </a:r>
+            <a:r>
+              <a:rPr lang="en-US" cap="none" dirty="0" smtClean="0">
+                <a:latin typeface="Times New Roman" charset="0"/>
+                <a:ea typeface="Times New Roman" charset="0"/>
+                <a:cs typeface="Times New Roman" charset="0"/>
+              </a:rPr>
+              <a:t>) + 1) × 3 &lt; </a:t>
+            </a:r>
+            <a:r>
+              <a:rPr lang="en-US" i="1" cap="none" dirty="0" smtClean="0">
+                <a:latin typeface="Times New Roman" charset="0"/>
+                <a:ea typeface="Times New Roman" charset="0"/>
+                <a:cs typeface="Times New Roman" charset="0"/>
+              </a:rPr>
+              <a:t>size</a:t>
+            </a:r>
+            <a:r>
+              <a:rPr lang="en-US" cap="none" dirty="0" smtClean="0">
+                <a:latin typeface="Times New Roman" charset="0"/>
+                <a:ea typeface="Times New Roman" charset="0"/>
+                <a:cs typeface="Times New Roman" charset="0"/>
+              </a:rPr>
+              <a:t>(</a:t>
+            </a:r>
+            <a:r>
+              <a:rPr lang="en-US" i="1" cap="none" dirty="0" err="1" smtClean="0">
+                <a:latin typeface="Times New Roman" charset="0"/>
+                <a:ea typeface="Times New Roman" charset="0"/>
+                <a:cs typeface="Times New Roman" charset="0"/>
+              </a:rPr>
+              <a:t>v</a:t>
+            </a:r>
+            <a:r>
+              <a:rPr lang="en-US" cap="none" dirty="0" err="1" smtClean="0">
+                <a:latin typeface="Times New Roman" charset="0"/>
+                <a:ea typeface="Times New Roman" charset="0"/>
+                <a:cs typeface="Times New Roman" charset="0"/>
+              </a:rPr>
+              <a:t>.</a:t>
+            </a:r>
+            <a:r>
+              <a:rPr lang="en-US" i="1" cap="none" dirty="0" err="1" smtClean="0">
+                <a:latin typeface="Times New Roman" charset="0"/>
+                <a:ea typeface="Times New Roman" charset="0"/>
+                <a:cs typeface="Times New Roman" charset="0"/>
+              </a:rPr>
+              <a:t>Right</a:t>
+            </a:r>
+            <a:r>
+              <a:rPr lang="en-US" cap="none" dirty="0" smtClean="0">
+                <a:latin typeface="Times New Roman" charset="0"/>
+                <a:ea typeface="Times New Roman" charset="0"/>
+                <a:cs typeface="Times New Roman" charset="0"/>
+              </a:rPr>
+              <a:t>) + 1</a:t>
+            </a:r>
+            <a:r>
+              <a:rPr lang="en-US" dirty="0"/>
+              <a:t/>
+            </a:r>
+            <a:br>
+              <a:rPr lang="en-US" dirty="0"/>
+            </a:br>
+            <a:endParaRPr lang="en-US" dirty="0"/>
+          </a:p>
+          <a:p>
+            <a:endParaRPr lang="en-US" dirty="0"/>
+          </a:p>
+          <a:p>
+            <a:endParaRPr lang="en-US" dirty="0" smtClean="0"/>
+          </a:p>
+        </p:txBody>
+      </p:sp>
+    </p:spTree>
+    <p:extLst>
+      <p:ext uri="{BB962C8B-B14F-4D97-AF65-F5344CB8AC3E}">
+        <p14:creationId xmlns:p14="http://schemas.microsoft.com/office/powerpoint/2010/main" val="97688379"/>
+      </p:ext>
+    </p:extLst>
+  </p:cSld>
+  <p:clrMapOvr>
+    <a:masterClrMapping/>
+  </p:clrMapOvr>
+  <p:timing>
+    <p:tnLst>
+      <p:par>
+        <p:cTn id="1" dur="indefinite" restart="never" nodeType="tmRoot"/>
+      </p:par>
+    </p:tnLst>
+  </p:timing>
+</p:sld>
+</file>
+
+<file path=ppt/slides/slide7.xml><?xml version="1.0" encoding="utf-8"?>
+<p:sld xmlns:a="http://schemas.openxmlformats.org/drawingml/2006/main" xmlns:r="http://schemas.openxmlformats.org/officeDocument/2006/relationships" xmlns:p="http://schemas.openxmlformats.org/presentationml/2006/main">
+  <p:cSld>
+    <p:spTree>
+      <p:nvGrpSpPr>
+        <p:cNvPr id="1" name=""/>
+        <p:cNvGrpSpPr/>
+        <p:nvPr/>
+      </p:nvGrpSpPr>
+      <p:grpSpPr>
+        <a:xfrm>
+          <a:off x="0" y="0"/>
+          <a:ext cx="0" cy="0"/>
+          <a:chOff x="0" y="0"/>
+          <a:chExt cx="0" cy="0"/>
+        </a:xfrm>
+      </p:grpSpPr>
+      <p:sp>
+        <p:nvSpPr>
+          <p:cNvPr id="3" name="Content Placeholder 2"/>
+          <p:cNvSpPr>
+            <a:spLocks noGrp="1"/>
+          </p:cNvSpPr>
+          <p:nvPr>
+            <p:ph sz="quarter" idx="13"/>
+          </p:nvPr>
+        </p:nvSpPr>
+        <p:spPr>
+          <a:xfrm>
+            <a:off x="0" y="111212"/>
+            <a:ext cx="11080507" cy="5263374"/>
+          </a:xfrm>
+        </p:spPr>
+        <p:txBody>
+          <a:bodyPr/>
+          <a:lstStyle/>
+          <a:p>
+            <a:r>
+              <a:rPr lang="en-US" cap="none" dirty="0" smtClean="0">
+                <a:latin typeface="Times New Roman" charset="0"/>
+                <a:ea typeface="Times New Roman" charset="0"/>
+                <a:cs typeface="Times New Roman" charset="0"/>
+              </a:rPr>
+              <a:t>Subcase 1 “single-rotation”:                 this happens when</a:t>
+            </a:r>
+          </a:p>
+          <a:p>
+            <a:r>
+              <a:rPr lang="en-US" i="1" cap="none" dirty="0" smtClean="0">
+                <a:latin typeface="Times New Roman" charset="0"/>
+                <a:ea typeface="Times New Roman" charset="0"/>
+                <a:cs typeface="Times New Roman" charset="0"/>
+              </a:rPr>
+              <a:t>Size </a:t>
+            </a:r>
+            <a:r>
+              <a:rPr lang="en-US" cap="none" dirty="0" smtClean="0">
+                <a:latin typeface="Times New Roman" charset="0"/>
+                <a:ea typeface="Times New Roman" charset="0"/>
+                <a:cs typeface="Times New Roman" charset="0"/>
+              </a:rPr>
+              <a:t>(</a:t>
+            </a:r>
+            <a:r>
+              <a:rPr lang="en-US" i="1" cap="none" dirty="0" err="1" smtClean="0">
+                <a:latin typeface="Times New Roman" charset="0"/>
+                <a:ea typeface="Times New Roman" charset="0"/>
+                <a:cs typeface="Times New Roman" charset="0"/>
+              </a:rPr>
+              <a:t>x</a:t>
+            </a:r>
+            <a:r>
+              <a:rPr lang="en-US" cap="none" dirty="0" err="1" smtClean="0">
+                <a:latin typeface="Times New Roman" charset="0"/>
+                <a:ea typeface="Times New Roman" charset="0"/>
+                <a:cs typeface="Times New Roman" charset="0"/>
+              </a:rPr>
+              <a:t>.</a:t>
+            </a:r>
+            <a:r>
+              <a:rPr lang="en-US" i="1" cap="none" dirty="0" err="1" smtClean="0">
+                <a:latin typeface="Times New Roman" charset="0"/>
+                <a:ea typeface="Times New Roman" charset="0"/>
+                <a:cs typeface="Times New Roman" charset="0"/>
+              </a:rPr>
+              <a:t>Left</a:t>
+            </a:r>
+            <a:r>
+              <a:rPr lang="en-US" cap="none" dirty="0" smtClean="0">
+                <a:latin typeface="Times New Roman" charset="0"/>
+                <a:ea typeface="Times New Roman" charset="0"/>
+                <a:cs typeface="Times New Roman" charset="0"/>
+              </a:rPr>
+              <a:t>) + 1 &lt; (</a:t>
+            </a:r>
+            <a:r>
+              <a:rPr lang="en-US" i="1" cap="none" dirty="0" smtClean="0">
+                <a:latin typeface="Times New Roman" charset="0"/>
+                <a:ea typeface="Times New Roman" charset="0"/>
+                <a:cs typeface="Times New Roman" charset="0"/>
+              </a:rPr>
+              <a:t>size</a:t>
+            </a:r>
+            <a:r>
+              <a:rPr lang="en-US" cap="none" dirty="0" smtClean="0">
+                <a:latin typeface="Times New Roman" charset="0"/>
+                <a:ea typeface="Times New Roman" charset="0"/>
+                <a:cs typeface="Times New Roman" charset="0"/>
+              </a:rPr>
+              <a:t>( </a:t>
+            </a:r>
+            <a:r>
+              <a:rPr lang="en-US" i="1" cap="none" dirty="0" err="1" smtClean="0">
+                <a:latin typeface="Times New Roman" charset="0"/>
+                <a:ea typeface="Times New Roman" charset="0"/>
+                <a:cs typeface="Times New Roman" charset="0"/>
+              </a:rPr>
+              <a:t>x</a:t>
+            </a:r>
+            <a:r>
+              <a:rPr lang="en-US" cap="none" dirty="0" err="1" smtClean="0">
+                <a:latin typeface="Times New Roman" charset="0"/>
+                <a:ea typeface="Times New Roman" charset="0"/>
+                <a:cs typeface="Times New Roman" charset="0"/>
+              </a:rPr>
+              <a:t>.</a:t>
+            </a:r>
+            <a:r>
+              <a:rPr lang="en-US" i="1" cap="none" dirty="0" err="1" smtClean="0">
+                <a:latin typeface="Times New Roman" charset="0"/>
+                <a:ea typeface="Times New Roman" charset="0"/>
+                <a:cs typeface="Times New Roman" charset="0"/>
+              </a:rPr>
+              <a:t>Right</a:t>
+            </a:r>
+            <a:r>
+              <a:rPr lang="en-US" i="1" cap="none" dirty="0" smtClean="0">
+                <a:latin typeface="Times New Roman" charset="0"/>
+                <a:ea typeface="Times New Roman" charset="0"/>
+                <a:cs typeface="Times New Roman" charset="0"/>
+              </a:rPr>
+              <a:t> </a:t>
+            </a:r>
+            <a:r>
+              <a:rPr lang="en-US" cap="none" dirty="0" smtClean="0">
+                <a:latin typeface="Times New Roman" charset="0"/>
+                <a:ea typeface="Times New Roman" charset="0"/>
+                <a:cs typeface="Times New Roman" charset="0"/>
+              </a:rPr>
+              <a:t>) + 1) × 2 </a:t>
+            </a:r>
+          </a:p>
+          <a:p>
+            <a:endParaRPr lang="en-US" cap="none" dirty="0" smtClean="0">
+              <a:latin typeface="Times New Roman" charset="0"/>
+              <a:ea typeface="Times New Roman" charset="0"/>
+              <a:cs typeface="Times New Roman" charset="0"/>
+            </a:endParaRPr>
+          </a:p>
+          <a:p>
+            <a:pPr marL="0" indent="0">
+              <a:buNone/>
+            </a:pPr>
+            <a:endParaRPr lang="en-US" cap="none" dirty="0" smtClean="0">
+              <a:latin typeface="Times New Roman" charset="0"/>
+              <a:ea typeface="Times New Roman" charset="0"/>
+              <a:cs typeface="Times New Roman" charset="0"/>
+            </a:endParaRPr>
+          </a:p>
+          <a:p>
+            <a:pPr marL="0" indent="0">
+              <a:buNone/>
+            </a:pPr>
+            <a:endParaRPr lang="en-US" cap="none" dirty="0" smtClean="0">
+              <a:latin typeface="Times New Roman" charset="0"/>
+              <a:ea typeface="Times New Roman" charset="0"/>
+              <a:cs typeface="Times New Roman" charset="0"/>
+            </a:endParaRPr>
+          </a:p>
+          <a:p>
+            <a:r>
+              <a:rPr lang="en-US" cap="none" dirty="0" smtClean="0">
+                <a:latin typeface="Times New Roman" charset="0"/>
+                <a:ea typeface="Times New Roman" charset="0"/>
+                <a:cs typeface="Times New Roman" charset="0"/>
+              </a:rPr>
+              <a:t>Subcase 2 “double-rotation” this happens when</a:t>
+            </a:r>
+          </a:p>
+          <a:p>
+            <a:r>
+              <a:rPr lang="en-US" i="1" cap="none" dirty="0" smtClean="0">
+                <a:latin typeface="Times New Roman" charset="0"/>
+                <a:ea typeface="Times New Roman" charset="0"/>
+                <a:cs typeface="Times New Roman" charset="0"/>
+              </a:rPr>
+              <a:t>Size </a:t>
+            </a:r>
+            <a:r>
+              <a:rPr lang="en-US" cap="none" dirty="0" smtClean="0">
+                <a:latin typeface="Times New Roman" charset="0"/>
+                <a:ea typeface="Times New Roman" charset="0"/>
+                <a:cs typeface="Times New Roman" charset="0"/>
+              </a:rPr>
+              <a:t>( </a:t>
+            </a:r>
+            <a:r>
+              <a:rPr lang="en-US" i="1" cap="none" dirty="0" err="1" smtClean="0">
+                <a:latin typeface="Times New Roman" charset="0"/>
+                <a:ea typeface="Times New Roman" charset="0"/>
+                <a:cs typeface="Times New Roman" charset="0"/>
+              </a:rPr>
+              <a:t>x</a:t>
+            </a:r>
+            <a:r>
+              <a:rPr lang="en-US" cap="none" dirty="0" err="1" smtClean="0">
+                <a:latin typeface="Times New Roman" charset="0"/>
+                <a:ea typeface="Times New Roman" charset="0"/>
+                <a:cs typeface="Times New Roman" charset="0"/>
+              </a:rPr>
+              <a:t>.</a:t>
+            </a:r>
+            <a:r>
+              <a:rPr lang="en-US" i="1" cap="none" dirty="0" err="1" smtClean="0">
+                <a:latin typeface="Times New Roman" charset="0"/>
+                <a:ea typeface="Times New Roman" charset="0"/>
+                <a:cs typeface="Times New Roman" charset="0"/>
+              </a:rPr>
+              <a:t>Left</a:t>
+            </a:r>
+            <a:r>
+              <a:rPr lang="en-US" i="1" cap="none" dirty="0" smtClean="0">
+                <a:latin typeface="Times New Roman" charset="0"/>
+                <a:ea typeface="Times New Roman" charset="0"/>
+                <a:cs typeface="Times New Roman" charset="0"/>
+              </a:rPr>
+              <a:t> </a:t>
+            </a:r>
+            <a:r>
+              <a:rPr lang="en-US" cap="none" dirty="0" smtClean="0">
+                <a:latin typeface="Times New Roman" charset="0"/>
+                <a:ea typeface="Times New Roman" charset="0"/>
+                <a:cs typeface="Times New Roman" charset="0"/>
+              </a:rPr>
+              <a:t>) + 1 ≥ (</a:t>
+            </a:r>
+            <a:r>
+              <a:rPr lang="en-US" i="1" cap="none" dirty="0" smtClean="0">
+                <a:latin typeface="Times New Roman" charset="0"/>
+                <a:ea typeface="Times New Roman" charset="0"/>
+                <a:cs typeface="Times New Roman" charset="0"/>
+              </a:rPr>
+              <a:t>size </a:t>
+            </a:r>
+            <a:r>
+              <a:rPr lang="en-US" cap="none" dirty="0" smtClean="0">
+                <a:latin typeface="Times New Roman" charset="0"/>
+                <a:ea typeface="Times New Roman" charset="0"/>
+                <a:cs typeface="Times New Roman" charset="0"/>
+              </a:rPr>
+              <a:t>( </a:t>
+            </a:r>
+            <a:r>
+              <a:rPr lang="en-US" i="1" cap="none" dirty="0" err="1" smtClean="0">
+                <a:latin typeface="Times New Roman" charset="0"/>
+                <a:ea typeface="Times New Roman" charset="0"/>
+                <a:cs typeface="Times New Roman" charset="0"/>
+              </a:rPr>
+              <a:t>x</a:t>
+            </a:r>
+            <a:r>
+              <a:rPr lang="en-US" cap="none" dirty="0" err="1" smtClean="0">
+                <a:latin typeface="Times New Roman" charset="0"/>
+                <a:ea typeface="Times New Roman" charset="0"/>
+                <a:cs typeface="Times New Roman" charset="0"/>
+              </a:rPr>
+              <a:t>.</a:t>
+            </a:r>
+            <a:r>
+              <a:rPr lang="en-US" i="1" cap="none" dirty="0" err="1" smtClean="0">
+                <a:latin typeface="Times New Roman" charset="0"/>
+                <a:ea typeface="Times New Roman" charset="0"/>
+                <a:cs typeface="Times New Roman" charset="0"/>
+              </a:rPr>
+              <a:t>Right</a:t>
+            </a:r>
+            <a:r>
+              <a:rPr lang="en-US" i="1" cap="none" dirty="0" smtClean="0">
+                <a:latin typeface="Times New Roman" charset="0"/>
+                <a:ea typeface="Times New Roman" charset="0"/>
+                <a:cs typeface="Times New Roman" charset="0"/>
+              </a:rPr>
+              <a:t> </a:t>
+            </a:r>
+            <a:r>
+              <a:rPr lang="en-US" cap="none" dirty="0" smtClean="0">
+                <a:latin typeface="Times New Roman" charset="0"/>
+                <a:ea typeface="Times New Roman" charset="0"/>
+                <a:cs typeface="Times New Roman" charset="0"/>
+              </a:rPr>
+              <a:t>) + 1) × 2 </a:t>
+            </a:r>
+          </a:p>
+          <a:p>
+            <a:pPr marL="0" indent="0">
+              <a:buNone/>
+            </a:pPr>
+            <a:r>
+              <a:rPr lang="en-US" dirty="0"/>
+              <a:t/>
+            </a:r>
+            <a:br>
+              <a:rPr lang="en-US" dirty="0"/>
+            </a:br>
+            <a:endParaRPr lang="en-US" dirty="0" smtClean="0"/>
+          </a:p>
+          <a:p>
+            <a:endParaRPr lang="en-US" dirty="0"/>
+          </a:p>
+        </p:txBody>
+      </p:sp>
+      <p:pic>
+        <p:nvPicPr>
+          <p:cNvPr id="4" name="Picture 3"/>
+          <p:cNvPicPr>
+            <a:picLocks noChangeAspect="1"/>
+          </p:cNvPicPr>
+          <p:nvPr/>
+        </p:nvPicPr>
+        <p:blipFill>
+          <a:blip r:embed="rId2">
+            <a:extLst>
+              <a:ext uri="{28A0092B-C50C-407E-A947-70E740481C1C}">
+                <a14:useLocalDpi xmlns:a14="http://schemas.microsoft.com/office/drawing/2010/main" val="0"/>
+              </a:ext>
+            </a:extLst>
+          </a:blip>
+          <a:stretch>
+            <a:fillRect/>
+          </a:stretch>
+        </p:blipFill>
+        <p:spPr>
+          <a:xfrm>
+            <a:off x="6930188" y="333632"/>
+            <a:ext cx="3885405" cy="1676057"/>
+          </a:xfrm>
+          <a:prstGeom prst="rect">
+            <a:avLst/>
+          </a:prstGeom>
+        </p:spPr>
+      </p:pic>
+      <p:pic>
+        <p:nvPicPr>
+          <p:cNvPr id="5" name="Picture 4"/>
+          <p:cNvPicPr>
+            <a:picLocks noChangeAspect="1"/>
+          </p:cNvPicPr>
+          <p:nvPr/>
+        </p:nvPicPr>
+        <p:blipFill>
+          <a:blip r:embed="rId3">
+            <a:extLst>
+              <a:ext uri="{28A0092B-C50C-407E-A947-70E740481C1C}">
+                <a14:useLocalDpi xmlns:a14="http://schemas.microsoft.com/office/drawing/2010/main" val="0"/>
+              </a:ext>
+            </a:extLst>
+          </a:blip>
+          <a:stretch>
+            <a:fillRect/>
+          </a:stretch>
+        </p:blipFill>
+        <p:spPr>
+          <a:xfrm>
+            <a:off x="6725269" y="2940908"/>
+            <a:ext cx="4522006" cy="1988794"/>
+          </a:xfrm>
+          <a:prstGeom prst="rect">
+            <a:avLst/>
+          </a:prstGeom>
+        </p:spPr>
+      </p:pic>
+    </p:spTree>
+    <p:extLst>
+      <p:ext uri="{BB962C8B-B14F-4D97-AF65-F5344CB8AC3E}">
+        <p14:creationId xmlns:p14="http://schemas.microsoft.com/office/powerpoint/2010/main" val="610467777"/>
+      </p:ext>
+    </p:extLst>
+  </p:cSld>
+  <p:clrMapOvr>
+    <a:masterClrMapping/>
+  </p:clrMapOvr>
+  <p:timing>
+    <p:tnLst>
+      <p:par>
+        <p:cTn id="1" dur="indefinite" restart="never" nodeType="tmRoot"/>
+      </p:par>
+    </p:tnLst>
+  </p:timing>
+</p:sld>
+</file>
+
+<file path=ppt/slides/slide8.xml><?xml version="1.0" encoding="utf-8"?>
+<p:sld xmlns:a="http://schemas.openxmlformats.org/drawingml/2006/main" xmlns:r="http://schemas.openxmlformats.org/officeDocument/2006/relationships" xmlns:p="http://schemas.openxmlformats.org/presentationml/2006/main">
+  <p:cSld>
+    <p:spTree>
+      <p:nvGrpSpPr>
+        <p:cNvPr id="1" name=""/>
+        <p:cNvGrpSpPr/>
+        <p:nvPr/>
+      </p:nvGrpSpPr>
+      <p:grpSpPr>
+        <a:xfrm>
+          <a:off x="0" y="0"/>
+          <a:ext cx="0" cy="0"/>
+          <a:chOff x="0" y="0"/>
+          <a:chExt cx="0" cy="0"/>
+        </a:xfrm>
+      </p:grpSpPr>
+      <p:sp>
+        <p:nvSpPr>
+          <p:cNvPr id="2" name="Title 1"/>
+          <p:cNvSpPr>
+            <a:spLocks noGrp="1"/>
+          </p:cNvSpPr>
+          <p:nvPr>
+            <p:ph type="title"/>
+          </p:nvPr>
+        </p:nvSpPr>
+        <p:spPr>
+          <a:xfrm>
+            <a:off x="0" y="92675"/>
+            <a:ext cx="10396882" cy="1151965"/>
+          </a:xfrm>
+        </p:spPr>
+        <p:txBody>
+          <a:bodyPr/>
+          <a:lstStyle/>
+          <a:p>
+            <a:r>
+              <a:rPr lang="en-US" dirty="0" smtClean="0"/>
+              <a:t>DELETION</a:t>
+            </a:r>
+            <a:endParaRPr lang="en-US" dirty="0"/>
+          </a:p>
+        </p:txBody>
+      </p:sp>
+      <p:sp>
+        <p:nvSpPr>
+          <p:cNvPr id="3" name="Content Placeholder 2"/>
+          <p:cNvSpPr>
+            <a:spLocks noGrp="1"/>
+          </p:cNvSpPr>
+          <p:nvPr>
+            <p:ph sz="quarter" idx="13"/>
+          </p:nvPr>
+        </p:nvSpPr>
+        <p:spPr>
+          <a:xfrm>
+            <a:off x="0" y="1618735"/>
+            <a:ext cx="11080507" cy="3755850"/>
+          </a:xfrm>
+        </p:spPr>
+        <p:txBody>
+          <a:bodyPr>
+            <a:normAutofit fontScale="85000" lnSpcReduction="10000"/>
+          </a:bodyPr>
+          <a:lstStyle/>
+          <a:p>
+            <a:r>
+              <a:rPr lang="en-US" cap="none" dirty="0" smtClean="0">
+                <a:latin typeface="Times New Roman" charset="0"/>
+                <a:ea typeface="Times New Roman" charset="0"/>
+                <a:cs typeface="Times New Roman" charset="0"/>
+              </a:rPr>
+              <a:t> Suppose we already have a weight-balanced BST. Deletion begins as in basic </a:t>
+            </a:r>
+            <a:r>
+              <a:rPr lang="en-US" cap="none" dirty="0" err="1" smtClean="0">
+                <a:latin typeface="Times New Roman" charset="0"/>
+                <a:ea typeface="Times New Roman" charset="0"/>
+                <a:cs typeface="Times New Roman" charset="0"/>
+              </a:rPr>
+              <a:t>bsts</a:t>
+            </a:r>
+            <a:r>
+              <a:rPr lang="en-US" cap="none" dirty="0" smtClean="0">
+                <a:latin typeface="Times New Roman" charset="0"/>
+                <a:ea typeface="Times New Roman" charset="0"/>
+                <a:cs typeface="Times New Roman" charset="0"/>
+              </a:rPr>
+              <a:t>: perform a lookup, find the key at node </a:t>
+            </a:r>
+            <a:r>
+              <a:rPr lang="en-US" i="1" cap="none" dirty="0" smtClean="0">
+                <a:latin typeface="Times New Roman" charset="0"/>
+                <a:ea typeface="Times New Roman" charset="0"/>
+                <a:cs typeface="Times New Roman" charset="0"/>
+              </a:rPr>
+              <a:t>v    </a:t>
+            </a:r>
+            <a:r>
+              <a:rPr lang="en-US" cap="none" dirty="0" smtClean="0">
+                <a:latin typeface="Times New Roman" charset="0"/>
+                <a:ea typeface="Times New Roman" charset="0"/>
+                <a:cs typeface="Times New Roman" charset="0"/>
+              </a:rPr>
+              <a:t>(say), then there are two cases: </a:t>
+            </a:r>
+          </a:p>
+          <a:p>
+            <a:r>
+              <a:rPr lang="en-US" cap="none" dirty="0" smtClean="0">
+                <a:latin typeface="Times New Roman" charset="0"/>
+                <a:ea typeface="Times New Roman" charset="0"/>
+                <a:cs typeface="Times New Roman" charset="0"/>
+              </a:rPr>
+              <a:t>1:     suppose we already have a weight-balanced BST. Deletion begins as in basic </a:t>
+            </a:r>
+            <a:r>
+              <a:rPr lang="en-US" cap="none" dirty="0" err="1" smtClean="0">
+                <a:latin typeface="Times New Roman" charset="0"/>
+                <a:ea typeface="Times New Roman" charset="0"/>
+                <a:cs typeface="Times New Roman" charset="0"/>
+              </a:rPr>
+              <a:t>bsts</a:t>
+            </a:r>
+            <a:r>
+              <a:rPr lang="en-US" cap="none" dirty="0" smtClean="0">
+                <a:latin typeface="Times New Roman" charset="0"/>
+                <a:ea typeface="Times New Roman" charset="0"/>
+                <a:cs typeface="Times New Roman" charset="0"/>
+              </a:rPr>
+              <a:t>: perform a lookup, find the key at node </a:t>
+            </a:r>
+            <a:r>
+              <a:rPr lang="en-US" i="1" cap="none" dirty="0" smtClean="0">
+                <a:latin typeface="Times New Roman" charset="0"/>
+                <a:ea typeface="Times New Roman" charset="0"/>
+                <a:cs typeface="Times New Roman" charset="0"/>
+              </a:rPr>
+              <a:t>v     </a:t>
+            </a:r>
+            <a:r>
+              <a:rPr lang="en-US" cap="none" dirty="0" smtClean="0">
+                <a:latin typeface="Times New Roman" charset="0"/>
+                <a:ea typeface="Times New Roman" charset="0"/>
+                <a:cs typeface="Times New Roman" charset="0"/>
+              </a:rPr>
+              <a:t>(say), then there are two cases: </a:t>
+            </a:r>
+          </a:p>
+          <a:p>
+            <a:r>
+              <a:rPr lang="en-US" cap="none" dirty="0" smtClean="0">
+                <a:latin typeface="Times New Roman" charset="0"/>
+                <a:ea typeface="Times New Roman" charset="0"/>
+                <a:cs typeface="Times New Roman" charset="0"/>
+              </a:rPr>
+              <a:t>2: </a:t>
+            </a:r>
+            <a:r>
+              <a:rPr lang="en-US" i="1" cap="none" dirty="0" smtClean="0">
+                <a:latin typeface="Times New Roman" charset="0"/>
+                <a:ea typeface="Times New Roman" charset="0"/>
+                <a:cs typeface="Times New Roman" charset="0"/>
+              </a:rPr>
+              <a:t>v  </a:t>
+            </a:r>
+            <a:r>
+              <a:rPr lang="en-US" cap="none" dirty="0" smtClean="0">
+                <a:latin typeface="Times New Roman" charset="0"/>
+                <a:ea typeface="Times New Roman" charset="0"/>
+                <a:cs typeface="Times New Roman" charset="0"/>
+              </a:rPr>
+              <a:t>has two children, so replace its key by </a:t>
+            </a:r>
+            <a:r>
+              <a:rPr lang="en-US" i="1" cap="none" dirty="0" smtClean="0">
+                <a:latin typeface="Times New Roman" charset="0"/>
+                <a:ea typeface="Times New Roman" charset="0"/>
+                <a:cs typeface="Times New Roman" charset="0"/>
+              </a:rPr>
+              <a:t>v</a:t>
+            </a:r>
+            <a:r>
+              <a:rPr lang="en-US" cap="none" dirty="0" smtClean="0">
+                <a:latin typeface="Times New Roman" charset="0"/>
+                <a:ea typeface="Times New Roman" charset="0"/>
+                <a:cs typeface="Times New Roman" charset="0"/>
+              </a:rPr>
+              <a:t>’ ’ s successor </a:t>
+            </a:r>
+            <a:r>
+              <a:rPr lang="en-US" i="1" cap="none" dirty="0" smtClean="0">
+                <a:latin typeface="Times New Roman" charset="0"/>
+                <a:ea typeface="Times New Roman" charset="0"/>
+                <a:cs typeface="Times New Roman" charset="0"/>
+              </a:rPr>
+              <a:t>w  </a:t>
+            </a:r>
+            <a:r>
+              <a:rPr lang="en-US" cap="none" dirty="0" smtClean="0">
+                <a:latin typeface="Times New Roman" charset="0"/>
+                <a:ea typeface="Times New Roman" charset="0"/>
+                <a:cs typeface="Times New Roman" charset="0"/>
+              </a:rPr>
+              <a:t>(say), prune </a:t>
+            </a:r>
+            <a:r>
+              <a:rPr lang="en-US" i="1" cap="none" dirty="0" smtClean="0">
+                <a:latin typeface="Times New Roman" charset="0"/>
+                <a:ea typeface="Times New Roman" charset="0"/>
+                <a:cs typeface="Times New Roman" charset="0"/>
+              </a:rPr>
+              <a:t>w  </a:t>
+            </a:r>
+            <a:r>
+              <a:rPr lang="en-US" cap="none" dirty="0" smtClean="0">
+                <a:latin typeface="Times New Roman" charset="0"/>
+                <a:ea typeface="Times New Roman" charset="0"/>
+                <a:cs typeface="Times New Roman" charset="0"/>
+              </a:rPr>
+              <a:t>instead and promote </a:t>
+            </a:r>
+            <a:r>
+              <a:rPr lang="en-US" i="1" cap="none" dirty="0" smtClean="0">
+                <a:latin typeface="Times New Roman" charset="0"/>
+                <a:ea typeface="Times New Roman" charset="0"/>
+                <a:cs typeface="Times New Roman" charset="0"/>
+              </a:rPr>
+              <a:t>w</a:t>
+            </a:r>
+            <a:r>
+              <a:rPr lang="en-US" cap="none" dirty="0" smtClean="0">
+                <a:latin typeface="Times New Roman" charset="0"/>
+                <a:ea typeface="Times New Roman" charset="0"/>
+                <a:cs typeface="Times New Roman" charset="0"/>
+              </a:rPr>
+              <a:t>’’ s child, but now </a:t>
+            </a:r>
+            <a:r>
+              <a:rPr lang="en-US" i="1" cap="none" dirty="0" smtClean="0">
+                <a:latin typeface="Times New Roman" charset="0"/>
+                <a:ea typeface="Times New Roman" charset="0"/>
+                <a:cs typeface="Times New Roman" charset="0"/>
+              </a:rPr>
+              <a:t>w</a:t>
+            </a:r>
+            <a:r>
+              <a:rPr lang="en-US" cap="none" dirty="0" smtClean="0">
+                <a:latin typeface="Times New Roman" charset="0"/>
+                <a:ea typeface="Times New Roman" charset="0"/>
+                <a:cs typeface="Times New Roman" charset="0"/>
+              </a:rPr>
+              <a:t>’’ s ancestors may become unbalanced. </a:t>
+            </a:r>
+          </a:p>
+          <a:p>
+            <a:r>
+              <a:rPr lang="en-US" cap="none" dirty="0" smtClean="0">
+                <a:latin typeface="Times New Roman" charset="0"/>
+                <a:ea typeface="Times New Roman" charset="0"/>
+                <a:cs typeface="Times New Roman" charset="0"/>
+              </a:rPr>
+              <a:t>To restore balance, we check the balancing condition bottom-up and apply rotations, starting from the pruned node’s parent, ending at the root. We use the same case analysis and rotation scheme from the previous section. </a:t>
+            </a:r>
+          </a:p>
+          <a:p>
+            <a:r>
+              <a:rPr lang="en-US" cap="none" dirty="0" smtClean="0">
+                <a:latin typeface="Times New Roman" charset="0"/>
+                <a:ea typeface="Times New Roman" charset="0"/>
+                <a:cs typeface="Times New Roman" charset="0"/>
+              </a:rPr>
+              <a:t>The proofs that the rotations really restore balance are similar to those in the previous section, but there is a difference: this time it is the smaller </a:t>
+            </a:r>
+            <a:r>
+              <a:rPr lang="en-US" cap="none" dirty="0" err="1" smtClean="0">
+                <a:latin typeface="Times New Roman" charset="0"/>
+                <a:ea typeface="Times New Roman" charset="0"/>
+                <a:cs typeface="Times New Roman" charset="0"/>
+              </a:rPr>
+              <a:t>subtree</a:t>
+            </a:r>
+            <a:r>
+              <a:rPr lang="en-US" cap="none" dirty="0" smtClean="0">
+                <a:latin typeface="Times New Roman" charset="0"/>
+                <a:ea typeface="Times New Roman" charset="0"/>
+                <a:cs typeface="Times New Roman" charset="0"/>
+              </a:rPr>
+              <a:t> that had one more node before deleting, rather than the bigger </a:t>
+            </a:r>
+            <a:r>
+              <a:rPr lang="en-US" cap="none" dirty="0" err="1" smtClean="0">
+                <a:latin typeface="Times New Roman" charset="0"/>
+                <a:ea typeface="Times New Roman" charset="0"/>
+                <a:cs typeface="Times New Roman" charset="0"/>
+              </a:rPr>
+              <a:t>subtree</a:t>
+            </a:r>
+            <a:r>
+              <a:rPr lang="en-US" cap="none" dirty="0" smtClean="0">
+                <a:latin typeface="Times New Roman" charset="0"/>
+                <a:ea typeface="Times New Roman" charset="0"/>
+                <a:cs typeface="Times New Roman" charset="0"/>
+              </a:rPr>
+              <a:t> that had one fewer node before inserting. </a:t>
+            </a:r>
+          </a:p>
+          <a:p>
+            <a:pPr marL="0" indent="0">
+              <a:buNone/>
+            </a:pPr>
+            <a:endParaRPr lang="en-US" dirty="0"/>
+          </a:p>
+          <a:p>
+            <a:endParaRPr lang="en-US" dirty="0"/>
+          </a:p>
+        </p:txBody>
+      </p:sp>
+    </p:spTree>
+    <p:extLst>
+      <p:ext uri="{BB962C8B-B14F-4D97-AF65-F5344CB8AC3E}">
+        <p14:creationId xmlns:p14="http://schemas.microsoft.com/office/powerpoint/2010/main" val="1648395644"/>
+      </p:ext>
+    </p:extLst>
+  </p:cSld>
+  <p:clrMapOvr>
+    <a:masterClrMapping/>
+  </p:clrMapOvr>
+  <p:timing>
+    <p:tnLst>
+      <p:par>
+        <p:cTn id="1" dur="indefinite" restart="never" nodeType="tmRoot"/>
+      </p:par>
+    </p:tnLst>
+  </p:timing>
+</p:sld>
+</file>
+
+<file path=ppt/slides/slide9.xml><?xml version="1.0" encoding="utf-8"?>
+<p:sld xmlns:a="http://schemas.openxmlformats.org/drawingml/2006/main" xmlns:r="http://schemas.openxmlformats.org/officeDocument/2006/relationships" xmlns:p="http://schemas.openxmlformats.org/presentationml/2006/main">
+  <p:cSld>
+    <p:spTree>
+      <p:nvGrpSpPr>
+        <p:cNvPr id="1" name=""/>
+        <p:cNvGrpSpPr/>
+        <p:nvPr/>
+      </p:nvGrpSpPr>
+      <p:grpSpPr>
+        <a:xfrm>
+          <a:off x="0" y="0"/>
+          <a:ext cx="0" cy="0"/>
+          <a:chOff x="0" y="0"/>
+          <a:chExt cx="0" cy="0"/>
+        </a:xfrm>
+      </p:grpSpPr>
+      <p:sp>
+        <p:nvSpPr>
+          <p:cNvPr id="2" name="Title 1"/>
+          <p:cNvSpPr>
+            <a:spLocks noGrp="1"/>
+          </p:cNvSpPr>
+          <p:nvPr>
+            <p:ph type="title"/>
+          </p:nvPr>
+        </p:nvSpPr>
+        <p:spPr>
+          <a:xfrm>
+            <a:off x="0" y="0"/>
+            <a:ext cx="9865541" cy="719479"/>
+          </a:xfrm>
+        </p:spPr>
+        <p:txBody>
+          <a:bodyPr>
+            <a:normAutofit fontScale="90000"/>
+          </a:bodyPr>
+          <a:lstStyle/>
+          <a:p>
+            <a:r>
+              <a:rPr lang="en-US" dirty="0" smtClean="0"/>
+              <a:t>Applications of WBT :</a:t>
+            </a:r>
+            <a:endParaRPr lang="en-US" dirty="0"/>
+          </a:p>
+        </p:txBody>
+      </p:sp>
+      <p:sp>
+        <p:nvSpPr>
+          <p:cNvPr id="3" name="Content Placeholder 2"/>
+          <p:cNvSpPr>
+            <a:spLocks noGrp="1"/>
+          </p:cNvSpPr>
+          <p:nvPr>
+            <p:ph sz="quarter" idx="13"/>
+          </p:nvPr>
+        </p:nvSpPr>
+        <p:spPr>
+          <a:xfrm>
+            <a:off x="86498" y="719480"/>
+            <a:ext cx="10994010" cy="4655106"/>
+          </a:xfrm>
+        </p:spPr>
+        <p:txBody>
+          <a:bodyPr>
+            <a:normAutofit fontScale="70000" lnSpcReduction="20000"/>
+          </a:bodyPr>
+          <a:lstStyle/>
+          <a:p>
+            <a:pPr marL="0" indent="0" fontAlgn="base">
+              <a:buNone/>
+            </a:pPr>
+            <a:r>
+              <a:rPr lang="en-US" b="1" dirty="0"/>
+              <a:t> </a:t>
+            </a:r>
+            <a:r>
+              <a:rPr lang="en-US" b="1" dirty="0" smtClean="0"/>
+              <a:t>              				</a:t>
+            </a:r>
+            <a:r>
+              <a:rPr lang="en-US" sz="4600" b="1" dirty="0" err="1" smtClean="0"/>
+              <a:t>Kth</a:t>
+            </a:r>
+            <a:r>
+              <a:rPr lang="en-US" sz="4600" b="1" dirty="0" smtClean="0"/>
+              <a:t> </a:t>
+            </a:r>
+            <a:r>
+              <a:rPr lang="en-US" sz="4600" b="1" dirty="0"/>
+              <a:t>largest element:</a:t>
+            </a:r>
+            <a:endParaRPr lang="en-US" sz="4600" dirty="0"/>
+          </a:p>
+          <a:p>
+            <a:r>
+              <a:rPr lang="en-US" dirty="0"/>
+              <a:t>   </a:t>
+            </a:r>
+            <a:r>
+              <a:rPr lang="en-US" cap="none" dirty="0" smtClean="0">
+                <a:latin typeface="Times New Roman" charset="0"/>
+                <a:ea typeface="Times New Roman" charset="0"/>
+                <a:cs typeface="Times New Roman" charset="0"/>
+              </a:rPr>
+              <a:t>WBT trees are used to find the </a:t>
+            </a:r>
+            <a:r>
+              <a:rPr lang="en-US" cap="none" dirty="0" err="1" smtClean="0">
+                <a:latin typeface="Times New Roman" charset="0"/>
+                <a:ea typeface="Times New Roman" charset="0"/>
+                <a:cs typeface="Times New Roman" charset="0"/>
+              </a:rPr>
+              <a:t>k’th</a:t>
+            </a:r>
+            <a:r>
+              <a:rPr lang="en-US" cap="none" dirty="0" smtClean="0">
+                <a:latin typeface="Times New Roman" charset="0"/>
+                <a:ea typeface="Times New Roman" charset="0"/>
+                <a:cs typeface="Times New Roman" charset="0"/>
+              </a:rPr>
+              <a:t> largest element in a set of unordered elements.</a:t>
+            </a:r>
+          </a:p>
+          <a:p>
+            <a:r>
+              <a:rPr lang="en-US" cap="none" dirty="0" smtClean="0">
+                <a:latin typeface="Times New Roman" charset="0"/>
+                <a:ea typeface="Times New Roman" charset="0"/>
+                <a:cs typeface="Times New Roman" charset="0"/>
+              </a:rPr>
+              <a:t>The size attribute in a </a:t>
+            </a:r>
+            <a:r>
+              <a:rPr lang="en-US" cap="none" dirty="0" err="1" smtClean="0">
+                <a:latin typeface="Times New Roman" charset="0"/>
+                <a:ea typeface="Times New Roman" charset="0"/>
+                <a:cs typeface="Times New Roman" charset="0"/>
+              </a:rPr>
+              <a:t>wbt</a:t>
+            </a:r>
+            <a:r>
+              <a:rPr lang="en-US" cap="none" dirty="0" smtClean="0">
+                <a:latin typeface="Times New Roman" charset="0"/>
+                <a:ea typeface="Times New Roman" charset="0"/>
+                <a:cs typeface="Times New Roman" charset="0"/>
+              </a:rPr>
+              <a:t> tree indicates the number of elements in left , right </a:t>
+            </a:r>
+            <a:r>
+              <a:rPr lang="en-US" cap="none" dirty="0" err="1" smtClean="0">
+                <a:latin typeface="Times New Roman" charset="0"/>
+                <a:ea typeface="Times New Roman" charset="0"/>
+                <a:cs typeface="Times New Roman" charset="0"/>
+              </a:rPr>
+              <a:t>subtree</a:t>
+            </a:r>
+            <a:r>
+              <a:rPr lang="en-US" cap="none" dirty="0" smtClean="0">
+                <a:latin typeface="Times New Roman" charset="0"/>
+                <a:ea typeface="Times New Roman" charset="0"/>
+                <a:cs typeface="Times New Roman" charset="0"/>
+              </a:rPr>
+              <a:t> including its own node.  This attribute unique to WBT tree is used to find the  k ‘</a:t>
+            </a:r>
+            <a:r>
+              <a:rPr lang="en-US" cap="none" dirty="0" err="1" smtClean="0">
+                <a:latin typeface="Times New Roman" charset="0"/>
+                <a:ea typeface="Times New Roman" charset="0"/>
+                <a:cs typeface="Times New Roman" charset="0"/>
+              </a:rPr>
+              <a:t>th</a:t>
+            </a:r>
+            <a:r>
+              <a:rPr lang="en-US" cap="none" dirty="0" smtClean="0">
+                <a:latin typeface="Times New Roman" charset="0"/>
+                <a:ea typeface="Times New Roman" charset="0"/>
+                <a:cs typeface="Times New Roman" charset="0"/>
+              </a:rPr>
+              <a:t> largest element. </a:t>
+            </a:r>
+          </a:p>
+          <a:p>
+            <a:r>
+              <a:rPr lang="en-US" cap="none" dirty="0" smtClean="0">
+                <a:latin typeface="Times New Roman" charset="0"/>
+                <a:ea typeface="Times New Roman" charset="0"/>
+                <a:cs typeface="Times New Roman" charset="0"/>
+              </a:rPr>
+              <a:t>Algorithm:</a:t>
+            </a:r>
+          </a:p>
+          <a:p>
+            <a:r>
+              <a:rPr lang="en-US" cap="none" dirty="0" smtClean="0">
+                <a:latin typeface="Times New Roman" charset="0"/>
+                <a:ea typeface="Times New Roman" charset="0"/>
+                <a:cs typeface="Times New Roman" charset="0"/>
+              </a:rPr>
+              <a:t>We tackle this problem using recursion:</a:t>
+            </a:r>
+          </a:p>
+          <a:p>
+            <a:r>
+              <a:rPr lang="en-US" cap="none" dirty="0" smtClean="0">
+                <a:latin typeface="Times New Roman" charset="0"/>
+                <a:ea typeface="Times New Roman" charset="0"/>
+                <a:cs typeface="Times New Roman" charset="0"/>
+              </a:rPr>
+              <a:t>If the size of left </a:t>
+            </a:r>
+            <a:r>
+              <a:rPr lang="en-US" cap="none" dirty="0" err="1" smtClean="0">
+                <a:latin typeface="Times New Roman" charset="0"/>
+                <a:ea typeface="Times New Roman" charset="0"/>
+                <a:cs typeface="Times New Roman" charset="0"/>
+              </a:rPr>
+              <a:t>subtree</a:t>
+            </a:r>
+            <a:r>
+              <a:rPr lang="en-US" cap="none" dirty="0" smtClean="0">
+                <a:latin typeface="Times New Roman" charset="0"/>
+                <a:ea typeface="Times New Roman" charset="0"/>
+                <a:cs typeface="Times New Roman" charset="0"/>
+              </a:rPr>
+              <a:t> is greater than k then we know that the </a:t>
+            </a:r>
+            <a:r>
+              <a:rPr lang="en-US" cap="none" dirty="0" err="1" smtClean="0">
+                <a:latin typeface="Times New Roman" charset="0"/>
+                <a:ea typeface="Times New Roman" charset="0"/>
+                <a:cs typeface="Times New Roman" charset="0"/>
+              </a:rPr>
+              <a:t>kth</a:t>
+            </a:r>
+            <a:r>
+              <a:rPr lang="en-US" cap="none" dirty="0" smtClean="0">
+                <a:latin typeface="Times New Roman" charset="0"/>
+                <a:ea typeface="Times New Roman" charset="0"/>
+                <a:cs typeface="Times New Roman" charset="0"/>
+              </a:rPr>
+              <a:t> largest </a:t>
+            </a:r>
+            <a:r>
+              <a:rPr lang="en-US" cap="none" dirty="0" err="1" smtClean="0">
+                <a:latin typeface="Times New Roman" charset="0"/>
+                <a:ea typeface="Times New Roman" charset="0"/>
+                <a:cs typeface="Times New Roman" charset="0"/>
+              </a:rPr>
+              <a:t>elemnt</a:t>
+            </a:r>
+            <a:r>
+              <a:rPr lang="en-US" cap="none" dirty="0" smtClean="0">
+                <a:latin typeface="Times New Roman" charset="0"/>
+                <a:ea typeface="Times New Roman" charset="0"/>
+                <a:cs typeface="Times New Roman" charset="0"/>
+              </a:rPr>
+              <a:t> is in left </a:t>
+            </a:r>
+            <a:r>
+              <a:rPr lang="en-US" cap="none" dirty="0" err="1" smtClean="0">
+                <a:latin typeface="Times New Roman" charset="0"/>
+                <a:ea typeface="Times New Roman" charset="0"/>
+                <a:cs typeface="Times New Roman" charset="0"/>
+              </a:rPr>
+              <a:t>subtree,hence</a:t>
+            </a:r>
+            <a:r>
+              <a:rPr lang="en-US" cap="none" dirty="0" smtClean="0">
+                <a:latin typeface="Times New Roman" charset="0"/>
+                <a:ea typeface="Times New Roman" charset="0"/>
+                <a:cs typeface="Times New Roman" charset="0"/>
+              </a:rPr>
+              <a:t> we recursively call the function from the left </a:t>
+            </a:r>
+            <a:r>
+              <a:rPr lang="en-US" cap="none" dirty="0" err="1" smtClean="0">
+                <a:latin typeface="Times New Roman" charset="0"/>
+                <a:ea typeface="Times New Roman" charset="0"/>
+                <a:cs typeface="Times New Roman" charset="0"/>
+              </a:rPr>
+              <a:t>subtree</a:t>
+            </a:r>
+            <a:r>
+              <a:rPr lang="en-US" cap="none" dirty="0" smtClean="0">
+                <a:latin typeface="Times New Roman" charset="0"/>
+                <a:ea typeface="Times New Roman" charset="0"/>
+                <a:cs typeface="Times New Roman" charset="0"/>
+              </a:rPr>
+              <a:t>.</a:t>
+            </a:r>
+          </a:p>
+          <a:p>
+            <a:r>
+              <a:rPr lang="en-US" cap="none" dirty="0" smtClean="0">
+                <a:latin typeface="Times New Roman" charset="0"/>
+                <a:ea typeface="Times New Roman" charset="0"/>
+                <a:cs typeface="Times New Roman" charset="0"/>
+              </a:rPr>
+              <a:t>Else we know that it is the right </a:t>
+            </a:r>
+            <a:r>
+              <a:rPr lang="en-US" cap="none" dirty="0" err="1" smtClean="0">
+                <a:latin typeface="Times New Roman" charset="0"/>
+                <a:ea typeface="Times New Roman" charset="0"/>
+                <a:cs typeface="Times New Roman" charset="0"/>
+              </a:rPr>
+              <a:t>subtree</a:t>
+            </a:r>
+            <a:r>
+              <a:rPr lang="en-US" cap="none" dirty="0" smtClean="0">
+                <a:latin typeface="Times New Roman" charset="0"/>
+                <a:ea typeface="Times New Roman" charset="0"/>
+                <a:cs typeface="Times New Roman" charset="0"/>
+              </a:rPr>
+              <a:t> and we recursively call the function on the right </a:t>
+            </a:r>
+            <a:r>
+              <a:rPr lang="en-US" cap="none" dirty="0" err="1" smtClean="0">
+                <a:latin typeface="Times New Roman" charset="0"/>
+                <a:ea typeface="Times New Roman" charset="0"/>
+                <a:cs typeface="Times New Roman" charset="0"/>
+              </a:rPr>
+              <a:t>subtree</a:t>
+            </a:r>
+            <a:r>
+              <a:rPr lang="en-US" cap="none" dirty="0" smtClean="0">
+                <a:latin typeface="Times New Roman" charset="0"/>
+                <a:ea typeface="Times New Roman" charset="0"/>
+                <a:cs typeface="Times New Roman" charset="0"/>
+              </a:rPr>
+              <a:t> but by reducing k to number of elements we have jumped over by going further right of the tree.</a:t>
+            </a:r>
+          </a:p>
+          <a:p>
+            <a:r>
+              <a:rPr lang="en-US" cap="none" dirty="0" smtClean="0">
+                <a:latin typeface="Times New Roman" charset="0"/>
+                <a:ea typeface="Times New Roman" charset="0"/>
+                <a:cs typeface="Times New Roman" charset="0"/>
+              </a:rPr>
+              <a:t>If we are able to find an element with size of left </a:t>
+            </a:r>
+            <a:r>
+              <a:rPr lang="en-US" cap="none" dirty="0" err="1" smtClean="0">
+                <a:latin typeface="Times New Roman" charset="0"/>
+                <a:ea typeface="Times New Roman" charset="0"/>
+                <a:cs typeface="Times New Roman" charset="0"/>
+              </a:rPr>
+              <a:t>subtree</a:t>
+            </a:r>
+            <a:r>
+              <a:rPr lang="en-US" cap="none" dirty="0" smtClean="0">
+                <a:latin typeface="Times New Roman" charset="0"/>
+                <a:ea typeface="Times New Roman" charset="0"/>
+                <a:cs typeface="Times New Roman" charset="0"/>
+              </a:rPr>
+              <a:t> lesser than k by </a:t>
+            </a:r>
+            <a:r>
+              <a:rPr lang="en-US" cap="none" dirty="0" err="1" smtClean="0">
+                <a:latin typeface="Times New Roman" charset="0"/>
+                <a:ea typeface="Times New Roman" charset="0"/>
+                <a:cs typeface="Times New Roman" charset="0"/>
+              </a:rPr>
+              <a:t>one,then</a:t>
+            </a:r>
+            <a:r>
+              <a:rPr lang="en-US" cap="none" dirty="0" smtClean="0">
+                <a:latin typeface="Times New Roman" charset="0"/>
+                <a:ea typeface="Times New Roman" charset="0"/>
+                <a:cs typeface="Times New Roman" charset="0"/>
+              </a:rPr>
+              <a:t> we know </a:t>
+            </a:r>
+            <a:r>
+              <a:rPr lang="en-US" cap="none" dirty="0" err="1" smtClean="0">
+                <a:latin typeface="Times New Roman" charset="0"/>
+                <a:ea typeface="Times New Roman" charset="0"/>
+                <a:cs typeface="Times New Roman" charset="0"/>
+              </a:rPr>
+              <a:t>that,this</a:t>
+            </a:r>
+            <a:r>
+              <a:rPr lang="en-US" cap="none" dirty="0" smtClean="0">
+                <a:latin typeface="Times New Roman" charset="0"/>
+                <a:ea typeface="Times New Roman" charset="0"/>
+                <a:cs typeface="Times New Roman" charset="0"/>
+              </a:rPr>
+              <a:t> is the </a:t>
+            </a:r>
+            <a:r>
+              <a:rPr lang="en-US" cap="none" dirty="0" err="1" smtClean="0">
+                <a:latin typeface="Times New Roman" charset="0"/>
+                <a:ea typeface="Times New Roman" charset="0"/>
+                <a:cs typeface="Times New Roman" charset="0"/>
+              </a:rPr>
+              <a:t>kth</a:t>
+            </a:r>
+            <a:r>
+              <a:rPr lang="en-US" cap="none" dirty="0" smtClean="0">
+                <a:latin typeface="Times New Roman" charset="0"/>
+                <a:ea typeface="Times New Roman" charset="0"/>
+                <a:cs typeface="Times New Roman" charset="0"/>
+              </a:rPr>
+              <a:t> largest element.</a:t>
+            </a:r>
+          </a:p>
+          <a:p>
+            <a:r>
+              <a:rPr lang="en-US" cap="none" dirty="0" smtClean="0">
+                <a:latin typeface="Times New Roman" charset="0"/>
+                <a:ea typeface="Times New Roman" charset="0"/>
+                <a:cs typeface="Times New Roman" charset="0"/>
+              </a:rPr>
+              <a:t>Running time-o(</a:t>
+            </a:r>
+            <a:r>
+              <a:rPr lang="en-US" cap="none" dirty="0" err="1" smtClean="0">
+                <a:latin typeface="Times New Roman" charset="0"/>
+                <a:ea typeface="Times New Roman" charset="0"/>
+                <a:cs typeface="Times New Roman" charset="0"/>
+              </a:rPr>
+              <a:t>logn</a:t>
+            </a:r>
+            <a:r>
+              <a:rPr lang="en-US" cap="none" dirty="0" smtClean="0">
+                <a:latin typeface="Times New Roman" charset="0"/>
+                <a:ea typeface="Times New Roman" charset="0"/>
+                <a:cs typeface="Times New Roman" charset="0"/>
+              </a:rPr>
+              <a:t>)</a:t>
+            </a:r>
+          </a:p>
+          <a:p>
+            <a:pPr marL="0" indent="0">
+              <a:buNone/>
+            </a:pPr>
+            <a:r>
+              <a:rPr lang="en-US" dirty="0"/>
+              <a:t/>
+            </a:r>
+            <a:br>
+              <a:rPr lang="en-US" dirty="0"/>
+            </a:br>
+            <a:endParaRPr lang="en-US" dirty="0"/>
+          </a:p>
+        </p:txBody>
+      </p:sp>
+    </p:spTree>
+    <p:extLst>
+      <p:ext uri="{BB962C8B-B14F-4D97-AF65-F5344CB8AC3E}">
+        <p14:creationId xmlns:p14="http://schemas.microsoft.com/office/powerpoint/2010/main" val="1325270248"/>
       </p:ext>
     </p:extLst>
   </p:cSld>

--- a/WBTreeIntro.pptx
+++ b/WBTreeIntro.pptx
@@ -576,7 +576,7 @@
           <a:p>
             <a:fld id="{F7AFFB9B-9FB8-469E-96F9-4D32314110B6}" type="datetimeFigureOut">
               <a:rPr lang="en-US" dirty="0"/>
-              <a:t>11/12/17</a:t>
+              <a:t>11/13/17</a:t>
             </a:fld>
             <a:endParaRPr lang="en-US" dirty="0"/>
           </a:p>
@@ -904,7 +904,7 @@
           <a:p>
             <a:fld id="{341D2AC3-6A0B-4169-B1EA-E3AE8B351BDD}" type="datetimeFigureOut">
               <a:rPr lang="en-US" dirty="0"/>
-              <a:t>11/12/17</a:t>
+              <a:t>11/13/17</a:t>
             </a:fld>
             <a:endParaRPr lang="en-US" dirty="0"/>
           </a:p>
@@ -1095,7 +1095,7 @@
           <a:p>
             <a:fld id="{DD4B9363-8B87-41B7-9F8E-64519CBB8F34}" type="datetimeFigureOut">
               <a:rPr lang="en-US" dirty="0"/>
-              <a:t>11/12/17</a:t>
+              <a:t>11/13/17</a:t>
             </a:fld>
             <a:endParaRPr lang="en-US" dirty="0"/>
           </a:p>
@@ -1360,7 +1360,7 @@
           <a:p>
             <a:fld id="{EAEF5746-5284-4951-9F37-7AE924EDBCB7}" type="datetimeFigureOut">
               <a:rPr lang="en-US" dirty="0"/>
-              <a:t>11/12/17</a:t>
+              <a:t>11/13/17</a:t>
             </a:fld>
             <a:endParaRPr lang="en-US" dirty="0"/>
           </a:p>
@@ -1783,7 +1783,7 @@
           <a:p>
             <a:fld id="{02398B29-7265-4A65-A2A4-6703C057B7C1}" type="datetimeFigureOut">
               <a:rPr lang="en-US" dirty="0"/>
-              <a:t>11/12/17</a:t>
+              <a:t>11/13/17</a:t>
             </a:fld>
             <a:endParaRPr lang="en-US" dirty="0"/>
           </a:p>
@@ -2328,7 +2328,7 @@
           <a:p>
             <a:fld id="{28FBA082-94DF-4C4B-A041-6624924AB0A8}" type="datetimeFigureOut">
               <a:rPr lang="en-US" dirty="0"/>
-              <a:t>11/12/17</a:t>
+              <a:t>11/13/17</a:t>
             </a:fld>
             <a:endParaRPr lang="en-US" dirty="0"/>
           </a:p>
@@ -3113,7 +3113,7 @@
           <a:p>
             <a:fld id="{B27686C4-3AB5-4E0C-86CA-FB108C350AA9}" type="datetimeFigureOut">
               <a:rPr lang="en-US" dirty="0"/>
-              <a:t>11/12/17</a:t>
+              <a:t>11/13/17</a:t>
             </a:fld>
             <a:endParaRPr lang="en-US" dirty="0"/>
           </a:p>
@@ -3287,7 +3287,7 @@
           <a:p>
             <a:fld id="{49FF1211-4E0C-4AB3-B04F-585959BDAFE8}" type="datetimeFigureOut">
               <a:rPr lang="en-US" dirty="0"/>
-              <a:t>11/12/17</a:t>
+              <a:t>11/13/17</a:t>
             </a:fld>
             <a:endParaRPr lang="en-US" dirty="0"/>
           </a:p>
@@ -3466,7 +3466,7 @@
           <a:p>
             <a:fld id="{28BDECAF-D3BE-4069-9C78-642ECCD01477}" type="datetimeFigureOut">
               <a:rPr lang="en-US" dirty="0"/>
-              <a:t>11/12/17</a:t>
+              <a:t>11/13/17</a:t>
             </a:fld>
             <a:endParaRPr lang="en-US" dirty="0"/>
           </a:p>
@@ -3636,7 +3636,7 @@
           <a:p>
             <a:fld id="{8EFBDC27-E420-4878-9EE6-7B9656D6442A}" type="datetimeFigureOut">
               <a:rPr lang="en-US" dirty="0"/>
-              <a:t>11/12/17</a:t>
+              <a:t>11/13/17</a:t>
             </a:fld>
             <a:endParaRPr lang="en-US" dirty="0"/>
           </a:p>
@@ -3881,7 +3881,7 @@
           <a:p>
             <a:fld id="{0F7F47CF-67C9-420C-80A5-E2069FF0C2DF}" type="datetimeFigureOut">
               <a:rPr lang="en-US" dirty="0"/>
-              <a:t>11/12/17</a:t>
+              <a:t>11/13/17</a:t>
             </a:fld>
             <a:endParaRPr lang="en-US" dirty="0"/>
           </a:p>
@@ -4113,7 +4113,7 @@
           <a:p>
             <a:fld id="{AE22DC73-F065-42F5-A9F2-D90B2E42A0B3}" type="datetimeFigureOut">
               <a:rPr lang="en-US" dirty="0"/>
-              <a:t>11/12/17</a:t>
+              <a:t>11/13/17</a:t>
             </a:fld>
             <a:endParaRPr lang="en-US" dirty="0"/>
           </a:p>
@@ -4493,7 +4493,7 @@
           <a:p>
             <a:fld id="{76BEA702-9B29-41CC-9BCC-3DF8A0D379FE}" type="datetimeFigureOut">
               <a:rPr lang="en-US" dirty="0"/>
-              <a:t>11/12/17</a:t>
+              <a:t>11/13/17</a:t>
             </a:fld>
             <a:endParaRPr lang="en-US" dirty="0"/>
           </a:p>
@@ -4606,7 +4606,7 @@
           <a:p>
             <a:fld id="{097649AC-CB8F-4FF1-9A34-5861C74DD0A7}" type="datetimeFigureOut">
               <a:rPr lang="en-US" dirty="0"/>
-              <a:t>11/12/17</a:t>
+              <a:t>11/13/17</a:t>
             </a:fld>
             <a:endParaRPr lang="en-US" dirty="0"/>
           </a:p>
@@ -4696,7 +4696,7 @@
           <a:p>
             <a:fld id="{3EC5CECA-2D3A-4680-9B49-752200DE467C}" type="datetimeFigureOut">
               <a:rPr lang="en-US" dirty="0"/>
-              <a:t>11/12/17</a:t>
+              <a:t>11/13/17</a:t>
             </a:fld>
             <a:endParaRPr lang="en-US" dirty="0"/>
           </a:p>
@@ -4944,7 +4944,7 @@
           <a:p>
             <a:fld id="{50C3BFE2-83B7-4B0A-B9D3-AB28331082B3}" type="datetimeFigureOut">
               <a:rPr lang="en-US" dirty="0"/>
-              <a:t>11/12/17</a:t>
+              <a:t>11/13/17</a:t>
             </a:fld>
             <a:endParaRPr lang="en-US" dirty="0"/>
           </a:p>
@@ -5208,7 +5208,7 @@
           <a:p>
             <a:fld id="{12EF78E3-FDA3-4D28-AAA2-0B81F349A39D}" type="datetimeFigureOut">
               <a:rPr lang="en-US" dirty="0"/>
-              <a:t>11/12/17</a:t>
+              <a:t>11/13/17</a:t>
             </a:fld>
             <a:endParaRPr lang="en-US" dirty="0"/>
           </a:p>
@@ -5606,7 +5606,7 @@
           <a:p>
             <a:fld id="{C35BB1C6-BF8F-4481-8AB2-603A1C8A906A}" type="datetimeFigureOut">
               <a:rPr lang="en-US" dirty="0"/>
-              <a:t>11/12/17</a:t>
+              <a:t>11/13/17</a:t>
             </a:fld>
             <a:endParaRPr lang="en-US" dirty="0"/>
           </a:p>
@@ -6149,8 +6149,25 @@
           <a:p>
             <a:r>
               <a:rPr lang="en-US" dirty="0" smtClean="0"/>
-              <a:t>Yash Dodjea -16It149</a:t>
-            </a:r>
+              <a:t>Yash </a:t>
+            </a:r>
+            <a:r>
+              <a:rPr lang="en-US" dirty="0" err="1" smtClean="0"/>
+              <a:t>Dodeja</a:t>
+            </a:r>
+            <a:r>
+              <a:rPr lang="en-US" dirty="0" smtClean="0"/>
+              <a:t> </a:t>
+            </a:r>
+            <a:r>
+              <a:rPr lang="en-US" dirty="0" smtClean="0"/>
+              <a:t>-</a:t>
+            </a:r>
+            <a:r>
+              <a:rPr lang="en-US" dirty="0" smtClean="0"/>
+              <a:t>16IT149</a:t>
+            </a:r>
+            <a:endParaRPr lang="en-US" dirty="0" smtClean="0"/>
           </a:p>
           <a:p>
             <a:r>
@@ -6183,7 +6200,11 @@
           <a:p>
             <a:r>
               <a:rPr lang="en-US" dirty="0" smtClean="0"/>
-              <a:t>Bharath Raghunath - !6IT211</a:t>
+              <a:t>Bharath Raghunath - </a:t>
+            </a:r>
+            <a:r>
+              <a:rPr lang="en-US" dirty="0" smtClean="0"/>
+              <a:t>16IT211</a:t>
             </a:r>
             <a:endParaRPr lang="en-US" dirty="0"/>
           </a:p>
@@ -6278,28 +6299,12 @@
               <a:t> WBT trees are used to make dictionaries ,in which there is a </a:t>
             </a:r>
             <a:r>
-              <a:rPr lang="en-US" sz="2600" cap="none" dirty="0" err="1" smtClean="0">
-                <a:latin typeface="Times New Roman" charset="0"/>
-                <a:ea typeface="Times New Roman" charset="0"/>
-                <a:cs typeface="Times New Roman" charset="0"/>
-              </a:rPr>
-              <a:t>key,value</a:t>
-            </a:r>
-            <a:r>
               <a:rPr lang="en-US" sz="2600" cap="none" dirty="0" smtClean="0">
                 <a:latin typeface="Times New Roman" charset="0"/>
                 <a:ea typeface="Times New Roman" charset="0"/>
                 <a:cs typeface="Times New Roman" charset="0"/>
               </a:rPr>
-              <a:t> </a:t>
-            </a:r>
-            <a:r>
-              <a:rPr lang="en-US" sz="2600" cap="none" dirty="0" err="1" smtClean="0">
-                <a:latin typeface="Times New Roman" charset="0"/>
-                <a:ea typeface="Times New Roman" charset="0"/>
-                <a:cs typeface="Times New Roman" charset="0"/>
-              </a:rPr>
-              <a:t>relation,used</a:t>
+              <a:t>key , value relation , used </a:t>
             </a:r>
             <a:r>
               <a:rPr lang="en-US" sz="2600" cap="none" dirty="0" smtClean="0">
@@ -6307,7 +6312,7 @@
                 <a:ea typeface="Times New Roman" charset="0"/>
                 <a:cs typeface="Times New Roman" charset="0"/>
               </a:rPr>
-              <a:t> to store information.</a:t>
+              <a:t>to store information.</a:t>
             </a:r>
           </a:p>
           <a:p>
@@ -6355,28 +6360,12 @@
               <a:t>We implement this similar to a </a:t>
             </a:r>
             <a:r>
-              <a:rPr lang="en-US" sz="2600" cap="none" dirty="0" err="1" smtClean="0">
-                <a:latin typeface="Times New Roman" charset="0"/>
-                <a:ea typeface="Times New Roman" charset="0"/>
-                <a:cs typeface="Times New Roman" charset="0"/>
-              </a:rPr>
-              <a:t>hashmap</a:t>
-            </a:r>
-            <a:r>
               <a:rPr lang="en-US" sz="2600" cap="none" dirty="0" smtClean="0">
                 <a:latin typeface="Times New Roman" charset="0"/>
                 <a:ea typeface="Times New Roman" charset="0"/>
                 <a:cs typeface="Times New Roman" charset="0"/>
               </a:rPr>
-              <a:t> but we use a WBT tree instead of a linked list for storing elements hashed to the same </a:t>
-            </a:r>
-            <a:r>
-              <a:rPr lang="en-US" sz="2600" cap="none" dirty="0" err="1" smtClean="0">
-                <a:latin typeface="Times New Roman" charset="0"/>
-                <a:ea typeface="Times New Roman" charset="0"/>
-                <a:cs typeface="Times New Roman" charset="0"/>
-              </a:rPr>
-              <a:t>value.Although</a:t>
+              <a:t>hash map </a:t>
             </a:r>
             <a:r>
               <a:rPr lang="en-US" sz="2600" cap="none" dirty="0" smtClean="0">
@@ -6384,15 +6373,7 @@
                 <a:ea typeface="Times New Roman" charset="0"/>
                 <a:cs typeface="Times New Roman" charset="0"/>
               </a:rPr>
-              <a:t> the insert in WBT </a:t>
-            </a:r>
-            <a:r>
-              <a:rPr lang="en-US" sz="2600" cap="none" dirty="0" err="1" smtClean="0">
-                <a:latin typeface="Times New Roman" charset="0"/>
-                <a:ea typeface="Times New Roman" charset="0"/>
-                <a:cs typeface="Times New Roman" charset="0"/>
-              </a:rPr>
-              <a:t>hashmap</a:t>
+              <a:t>but we use a WBT tree instead of a linked list for storing elements hashed to the same </a:t>
             </a:r>
             <a:r>
               <a:rPr lang="en-US" sz="2600" cap="none" dirty="0" smtClean="0">
@@ -6400,15 +6381,7 @@
                 <a:ea typeface="Times New Roman" charset="0"/>
                 <a:cs typeface="Times New Roman" charset="0"/>
               </a:rPr>
-              <a:t> is more costly than </a:t>
-            </a:r>
-            <a:r>
-              <a:rPr lang="en-US" sz="2600" cap="none" dirty="0" err="1" smtClean="0">
-                <a:latin typeface="Times New Roman" charset="0"/>
-                <a:ea typeface="Times New Roman" charset="0"/>
-                <a:cs typeface="Times New Roman" charset="0"/>
-              </a:rPr>
-              <a:t>hashmap</a:t>
+              <a:t>value . Although </a:t>
             </a:r>
             <a:r>
               <a:rPr lang="en-US" sz="2600" cap="none" dirty="0" smtClean="0">
@@ -6416,15 +6389,7 @@
                 <a:ea typeface="Times New Roman" charset="0"/>
                 <a:cs typeface="Times New Roman" charset="0"/>
               </a:rPr>
-              <a:t> using linked </a:t>
-            </a:r>
-            <a:r>
-              <a:rPr lang="en-US" sz="2600" cap="none" dirty="0" err="1" smtClean="0">
-                <a:latin typeface="Times New Roman" charset="0"/>
-                <a:ea typeface="Times New Roman" charset="0"/>
-                <a:cs typeface="Times New Roman" charset="0"/>
-              </a:rPr>
-              <a:t>list.It</a:t>
+              <a:t>the insert in WBT </a:t>
             </a:r>
             <a:r>
               <a:rPr lang="en-US" sz="2600" cap="none" dirty="0" smtClean="0">
@@ -6432,15 +6397,55 @@
                 <a:ea typeface="Times New Roman" charset="0"/>
                 <a:cs typeface="Times New Roman" charset="0"/>
               </a:rPr>
-              <a:t> pays of as search is more efficient and faster in WBT tree than a </a:t>
-            </a:r>
-            <a:r>
-              <a:rPr lang="en-US" sz="2600" cap="none" dirty="0" err="1" smtClean="0">
-                <a:latin typeface="Times New Roman" charset="0"/>
-                <a:ea typeface="Times New Roman" charset="0"/>
-                <a:cs typeface="Times New Roman" charset="0"/>
-              </a:rPr>
-              <a:t>linkedlist</a:t>
+              <a:t>hash map </a:t>
+            </a:r>
+            <a:r>
+              <a:rPr lang="en-US" sz="2600" cap="none" dirty="0" smtClean="0">
+                <a:latin typeface="Times New Roman" charset="0"/>
+                <a:ea typeface="Times New Roman" charset="0"/>
+                <a:cs typeface="Times New Roman" charset="0"/>
+              </a:rPr>
+              <a:t>is more costly than </a:t>
+            </a:r>
+            <a:r>
+              <a:rPr lang="en-US" sz="2600" cap="none" dirty="0" smtClean="0">
+                <a:latin typeface="Times New Roman" charset="0"/>
+                <a:ea typeface="Times New Roman" charset="0"/>
+                <a:cs typeface="Times New Roman" charset="0"/>
+              </a:rPr>
+              <a:t>hash map </a:t>
+            </a:r>
+            <a:r>
+              <a:rPr lang="en-US" sz="2600" cap="none" dirty="0" smtClean="0">
+                <a:latin typeface="Times New Roman" charset="0"/>
+                <a:ea typeface="Times New Roman" charset="0"/>
+                <a:cs typeface="Times New Roman" charset="0"/>
+              </a:rPr>
+              <a:t>using linked </a:t>
+            </a:r>
+            <a:r>
+              <a:rPr lang="en-US" sz="2600" cap="none" dirty="0" smtClean="0">
+                <a:latin typeface="Times New Roman" charset="0"/>
+                <a:ea typeface="Times New Roman" charset="0"/>
+                <a:cs typeface="Times New Roman" charset="0"/>
+              </a:rPr>
+              <a:t>list , It </a:t>
+            </a:r>
+            <a:r>
+              <a:rPr lang="en-US" sz="2600" cap="none" dirty="0" smtClean="0">
+                <a:latin typeface="Times New Roman" charset="0"/>
+                <a:ea typeface="Times New Roman" charset="0"/>
+                <a:cs typeface="Times New Roman" charset="0"/>
+              </a:rPr>
+              <a:t>pays of as search is more efficient and faster in WBT tree than a </a:t>
+            </a:r>
+            <a:r>
+              <a:rPr lang="en-US" sz="2600" cap="none" dirty="0" smtClean="0">
+                <a:latin typeface="Times New Roman" charset="0"/>
+                <a:ea typeface="Times New Roman" charset="0"/>
+                <a:cs typeface="Times New Roman" charset="0"/>
+              </a:rPr>
+              <a:t>linked list</a:t>
             </a:r>
             <a:r>
               <a:rPr lang="en-US" sz="2600" cap="none" dirty="0" smtClean="0">
@@ -6475,7 +6480,7 @@
                 <a:ea typeface="Times New Roman" charset="0"/>
                 <a:cs typeface="Times New Roman" charset="0"/>
               </a:rPr>
-              <a:t>Insert-o(</a:t>
+              <a:t>Insert-O(</a:t>
             </a:r>
             <a:r>
               <a:rPr lang="en-US" sz="2600" cap="none" dirty="0" err="1" smtClean="0">
@@ -6501,7 +6506,7 @@
                 <a:ea typeface="Times New Roman" charset="0"/>
                 <a:cs typeface="Times New Roman" charset="0"/>
               </a:rPr>
-              <a:t>Search-o(</a:t>
+              <a:t>Search-O(</a:t>
             </a:r>
             <a:r>
               <a:rPr lang="en-US" sz="2600" cap="none" dirty="0" err="1" smtClean="0">
@@ -6676,7 +6681,6 @@
                 <a:latin typeface="Times New Roman" charset="0"/>
                 <a:ea typeface="Times New Roman" charset="0"/>
                 <a:cs typeface="Times New Roman" charset="0"/>
-                <a:hlinkClick r:id="rId2"/>
               </a:rPr>
               <a:t>database</a:t>
             </a:r>
@@ -6886,23 +6890,13 @@
                 <a:ea typeface="Times New Roman" charset="0"/>
                 <a:cs typeface="Times New Roman" charset="0"/>
               </a:rPr>
-              <a:t>n </a:t>
-            </a:r>
-            <a:r>
-              <a:rPr lang="en-US" cap="none" dirty="0" smtClean="0">
-                <a:latin typeface="Times New Roman" charset="0"/>
-                <a:ea typeface="Times New Roman" charset="0"/>
-                <a:cs typeface="Times New Roman" charset="0"/>
-                <a:hlinkClick r:id="rId2"/>
-              </a:rPr>
-              <a:t>computer science, </a:t>
+              <a:t>n computer science, </a:t>
             </a:r>
             <a:r>
               <a:rPr lang="en-US" b="1" cap="none" dirty="0" smtClean="0">
                 <a:latin typeface="Times New Roman" charset="0"/>
                 <a:ea typeface="Times New Roman" charset="0"/>
                 <a:cs typeface="Times New Roman" charset="0"/>
-                <a:hlinkClick r:id="rId2"/>
               </a:rPr>
               <a:t>weight-balanced binary trees</a:t>
             </a:r>
@@ -6911,7 +6905,6 @@
                 <a:latin typeface="Times New Roman" charset="0"/>
                 <a:ea typeface="Times New Roman" charset="0"/>
                 <a:cs typeface="Times New Roman" charset="0"/>
-                <a:hlinkClick r:id="rId2"/>
               </a:rPr>
               <a:t> (</a:t>
             </a:r>
@@ -6920,7 +6913,6 @@
                 <a:latin typeface="Times New Roman" charset="0"/>
                 <a:ea typeface="Times New Roman" charset="0"/>
                 <a:cs typeface="Times New Roman" charset="0"/>
-                <a:hlinkClick r:id="rId2"/>
               </a:rPr>
               <a:t>wbts</a:t>
             </a:r>
@@ -6929,51 +6921,17 @@
                 <a:latin typeface="Times New Roman" charset="0"/>
                 <a:ea typeface="Times New Roman" charset="0"/>
                 <a:cs typeface="Times New Roman" charset="0"/>
-                <a:hlinkClick r:id="rId2"/>
-              </a:rPr>
-              <a:t>) are a type of </a:t>
-            </a:r>
-            <a:r>
-              <a:rPr lang="en-US" cap="none" dirty="0" smtClean="0">
-                <a:latin typeface="Times New Roman" charset="0"/>
-                <a:ea typeface="Times New Roman" charset="0"/>
-                <a:cs typeface="Times New Roman" charset="0"/>
-                <a:hlinkClick r:id="rId3"/>
-              </a:rPr>
-              <a:t>self-balancing binary search trees that can be used to implement </a:t>
-            </a:r>
-            <a:r>
-              <a:rPr lang="en-US" cap="none" dirty="0" smtClean="0">
-                <a:latin typeface="Times New Roman" charset="0"/>
-                <a:ea typeface="Times New Roman" charset="0"/>
-                <a:cs typeface="Times New Roman" charset="0"/>
-                <a:hlinkClick r:id="rId4"/>
-              </a:rPr>
-              <a:t>dynamic sets, </a:t>
-            </a:r>
-            <a:r>
-              <a:rPr lang="en-US" cap="none" dirty="0" smtClean="0">
-                <a:latin typeface="Times New Roman" charset="0"/>
-                <a:ea typeface="Times New Roman" charset="0"/>
-                <a:cs typeface="Times New Roman" charset="0"/>
-                <a:hlinkClick r:id="rId5"/>
-              </a:rPr>
-              <a:t>dictionaries (maps) and sequences</a:t>
+              </a:rPr>
+              <a:t>) are a type of self-balancing binary search trees that can be used to implement dynamic sets, dictionaries (maps) and sequences</a:t>
             </a:r>
             <a:r>
               <a:rPr lang="en-US" dirty="0" smtClean="0">
                 <a:latin typeface="Times New Roman" charset="0"/>
                 <a:ea typeface="Times New Roman" charset="0"/>
                 <a:cs typeface="Times New Roman" charset="0"/>
-                <a:hlinkClick r:id="rId5"/>
               </a:rPr>
               <a:t>.</a:t>
             </a:r>
-            <a:endParaRPr lang="en-US" dirty="0" smtClean="0">
-              <a:latin typeface="Times New Roman" charset="0"/>
-              <a:ea typeface="Times New Roman" charset="0"/>
-              <a:cs typeface="Times New Roman" charset="0"/>
-            </a:endParaRPr>
           </a:p>
           <a:p>
             <a:endParaRPr lang="en-US" dirty="0" smtClean="0"/>
@@ -7101,50 +7059,29 @@
                 <a:ea typeface="Times New Roman" charset="0"/>
                 <a:cs typeface="Times New Roman" charset="0"/>
               </a:rPr>
-              <a:t> store bookkeeping information pertaining to balance in their nodes and perform </a:t>
-            </a:r>
-            <a:r>
-              <a:rPr lang="en-US" cap="none" dirty="0" smtClean="0">
-                <a:latin typeface="Times New Roman" charset="0"/>
-                <a:ea typeface="Times New Roman" charset="0"/>
-                <a:cs typeface="Times New Roman" charset="0"/>
-                <a:hlinkClick r:id="rId2"/>
-              </a:rPr>
-              <a:t>rotations to restore balance when it is disturbed by insertion or deletion operations. specifically, each node stores the size of the subtree rooted at the node, and the sizes of left and right subtrees are kept within some factor of each other. unlike the balance information in </a:t>
-            </a:r>
-            <a:r>
-              <a:rPr lang="en-US" cap="none" dirty="0" smtClean="0">
-                <a:latin typeface="Times New Roman" charset="0"/>
-                <a:ea typeface="Times New Roman" charset="0"/>
-                <a:cs typeface="Times New Roman" charset="0"/>
-                <a:hlinkClick r:id="rId3"/>
-              </a:rPr>
-              <a:t>avl trees (which store the height of subtrees) and </a:t>
-            </a:r>
-            <a:r>
-              <a:rPr lang="en-US" cap="none" dirty="0" smtClean="0">
-                <a:latin typeface="Times New Roman" charset="0"/>
-                <a:ea typeface="Times New Roman" charset="0"/>
-                <a:cs typeface="Times New Roman" charset="0"/>
-                <a:hlinkClick r:id="rId4"/>
-              </a:rPr>
-              <a:t>red-black trees (which store a fictional "color" bit), the bookkeeping information in a wbt is an actually useful property for applications: the number of elements in a tree is equal to the size of its root, and the size information is exactly the information needed to implement the operations of an </a:t>
-            </a:r>
-            <a:r>
-              <a:rPr lang="en-US" cap="none" dirty="0" smtClean="0">
-                <a:latin typeface="Times New Roman" charset="0"/>
-                <a:ea typeface="Times New Roman" charset="0"/>
-                <a:cs typeface="Times New Roman" charset="0"/>
-                <a:hlinkClick r:id="rId5"/>
-              </a:rPr>
-              <a:t>order statistic tree, viz., getting the </a:t>
+              <a:t> store </a:t>
+            </a:r>
+            <a:r>
+              <a:rPr lang="en-US" cap="none" dirty="0" smtClean="0">
+                <a:latin typeface="Times New Roman" charset="0"/>
+                <a:ea typeface="Times New Roman" charset="0"/>
+                <a:cs typeface="Times New Roman" charset="0"/>
+              </a:rPr>
+              <a:t>book keeping </a:t>
+            </a:r>
+            <a:r>
+              <a:rPr lang="en-US" cap="none" dirty="0" smtClean="0">
+                <a:latin typeface="Times New Roman" charset="0"/>
+                <a:ea typeface="Times New Roman" charset="0"/>
+                <a:cs typeface="Times New Roman" charset="0"/>
+              </a:rPr>
+              <a:t>information pertaining to balance in their nodes and perform rotations to restore balance when it is disturbed by insertion or deletion operations. specifically, each node stores the size of the subtree rooted at the node, and the sizes of left and right subtrees are kept within some factor of each other. unlike the balance information in avl trees (which store the height of subtrees) and red-black trees (which store a fictional "color" bit), the bookkeeping information in a wbt is an actually useful property for applications: the number of elements in a tree is equal to the size of its root, and the size information is exactly the information needed to implement the operations of an order statistic tree, viz., getting the </a:t>
             </a:r>
             <a:r>
               <a:rPr lang="en-US" i="1" cap="none" dirty="0" smtClean="0">
                 <a:latin typeface="Times New Roman" charset="0"/>
                 <a:ea typeface="Times New Roman" charset="0"/>
                 <a:cs typeface="Times New Roman" charset="0"/>
-                <a:hlinkClick r:id="rId5"/>
               </a:rPr>
               <a:t>n</a:t>
             </a:r>
@@ -7153,46 +7090,24 @@
                 <a:latin typeface="Times New Roman" charset="0"/>
                 <a:ea typeface="Times New Roman" charset="0"/>
                 <a:cs typeface="Times New Roman" charset="0"/>
-                <a:hlinkClick r:id="rId5"/>
               </a:rPr>
               <a:t>'th largest element in a set or determining an element's index in sorted order.</a:t>
             </a:r>
-          </a:p>
-          <a:p>
-            <a:r>
-              <a:rPr lang="en-US" cap="none" dirty="0" smtClean="0">
-                <a:latin typeface="Times New Roman" charset="0"/>
-                <a:ea typeface="Times New Roman" charset="0"/>
-                <a:cs typeface="Times New Roman" charset="0"/>
-              </a:rPr>
-              <a:t>weight-balanced trees are popular in the </a:t>
-            </a:r>
-            <a:r>
-              <a:rPr lang="en-US" cap="none" dirty="0" smtClean="0">
-                <a:latin typeface="Times New Roman" charset="0"/>
-                <a:ea typeface="Times New Roman" charset="0"/>
-                <a:cs typeface="Times New Roman" charset="0"/>
-                <a:hlinkClick r:id="rId6"/>
-              </a:rPr>
-              <a:t>functional programming community and are used to implement sets and maps in </a:t>
-            </a:r>
-            <a:r>
-              <a:rPr lang="en-US" cap="none" dirty="0" smtClean="0">
-                <a:latin typeface="Times New Roman" charset="0"/>
-                <a:ea typeface="Times New Roman" charset="0"/>
-                <a:cs typeface="Times New Roman" charset="0"/>
-                <a:hlinkClick r:id="rId7"/>
-              </a:rPr>
-              <a:t>mit scheme, </a:t>
-            </a:r>
-            <a:r>
-              <a:rPr lang="en-US" cap="none" dirty="0" smtClean="0">
-                <a:latin typeface="Times New Roman" charset="0"/>
-                <a:ea typeface="Times New Roman" charset="0"/>
-                <a:cs typeface="Times New Roman" charset="0"/>
-                <a:hlinkClick r:id="rId8"/>
-              </a:rPr>
-              <a:t>slib and implementations of </a:t>
+            <a:endParaRPr lang="en-US" cap="none" dirty="0" smtClean="0">
+              <a:latin typeface="Times New Roman" charset="0"/>
+              <a:ea typeface="Times New Roman" charset="0"/>
+              <a:cs typeface="Times New Roman" charset="0"/>
+              <a:hlinkClick r:id="rId2"/>
+            </a:endParaRPr>
+          </a:p>
+          <a:p>
+            <a:r>
+              <a:rPr lang="en-US" cap="none" dirty="0" smtClean="0">
+                <a:latin typeface="Times New Roman" charset="0"/>
+                <a:ea typeface="Times New Roman" charset="0"/>
+                <a:cs typeface="Times New Roman" charset="0"/>
+              </a:rPr>
+              <a:t>weight-balanced trees are popular in the functional programming community and are used to implement sets and maps in mit scheme, slib and implementations of </a:t>
             </a:r>
             <a:r>
               <a:rPr lang="en-US" cap="none" dirty="0" err="1" smtClean="0">
@@ -7671,7 +7586,31 @@
                 <a:ea typeface="Times New Roman" charset="0"/>
                 <a:cs typeface="Times New Roman" charset="0"/>
               </a:rPr>
-              <a:t>A &lt; 1 </a:t>
+              <a:t> </a:t>
+            </a:r>
+            <a:r>
+              <a:rPr lang="en-US" i="1" cap="none" dirty="0" smtClean="0">
+                <a:latin typeface="Times New Roman" charset="0"/>
+                <a:ea typeface="Times New Roman" charset="0"/>
+                <a:cs typeface="Times New Roman" charset="0"/>
+              </a:rPr>
+              <a:t>α </a:t>
+            </a:r>
+            <a:r>
+              <a:rPr lang="en-US" cap="none" dirty="0" smtClean="0">
+                <a:latin typeface="Times New Roman" charset="0"/>
+                <a:ea typeface="Times New Roman" charset="0"/>
+                <a:cs typeface="Times New Roman" charset="0"/>
+              </a:rPr>
+              <a:t>&lt; </a:t>
+            </a:r>
+            <a:r>
+              <a:rPr lang="en-US" cap="none" dirty="0" smtClean="0">
+                <a:latin typeface="Times New Roman" charset="0"/>
+                <a:ea typeface="Times New Roman" charset="0"/>
+                <a:cs typeface="Times New Roman" charset="0"/>
+              </a:rPr>
+              <a:t>1 </a:t>
             </a:r>
             <a:r>
               <a:rPr lang="mr-IN" cap="none" dirty="0" smtClean="0">
@@ -7700,7 +7639,31 @@
                 <a:ea typeface="Times New Roman" charset="0"/>
                 <a:cs typeface="Times New Roman" charset="0"/>
               </a:rPr>
-              <a:t>Larger values of a produce a more balanced tree</a:t>
+              <a:t>Larger values of </a:t>
+            </a:r>
+            <a:r>
+              <a:rPr lang="en-US" i="1" cap="none" dirty="0">
+                <a:latin typeface="Times New Roman" charset="0"/>
+                <a:ea typeface="Times New Roman" charset="0"/>
+                <a:cs typeface="Times New Roman" charset="0"/>
+              </a:rPr>
+              <a:t>α</a:t>
+            </a:r>
+            <a:r>
+              <a:rPr lang="en-US" cap="none" dirty="0" smtClean="0">
+                <a:latin typeface="Times New Roman" charset="0"/>
+                <a:ea typeface="Times New Roman" charset="0"/>
+                <a:cs typeface="Times New Roman" charset="0"/>
+              </a:rPr>
+              <a:t> </a:t>
+            </a:r>
+            <a:r>
+              <a:rPr lang="en-US" cap="none" dirty="0" smtClean="0">
+                <a:latin typeface="Times New Roman" charset="0"/>
+                <a:ea typeface="Times New Roman" charset="0"/>
+                <a:cs typeface="Times New Roman" charset="0"/>
+              </a:rPr>
+              <a:t>produce a more balanced tree</a:t>
             </a:r>
           </a:p>
           <a:p>
@@ -7723,8 +7686,21 @@
                 <a:ea typeface="Times New Roman" charset="0"/>
                 <a:cs typeface="Times New Roman" charset="0"/>
               </a:rPr>
-              <a:t>On calculating the</a:t>
-            </a:r>
+              <a:t>On </a:t>
+            </a:r>
+            <a:r>
+              <a:rPr lang="en-US" cap="none" dirty="0" smtClean="0">
+                <a:latin typeface="Times New Roman" charset="0"/>
+                <a:ea typeface="Times New Roman" charset="0"/>
+                <a:cs typeface="Times New Roman" charset="0"/>
+              </a:rPr>
+              <a:t>calculating:</a:t>
+            </a:r>
+            <a:endParaRPr lang="en-US" cap="none" dirty="0" smtClean="0">
+              <a:latin typeface="Times New Roman" charset="0"/>
+              <a:ea typeface="Times New Roman" charset="0"/>
+              <a:cs typeface="Times New Roman" charset="0"/>
+            </a:endParaRPr>
           </a:p>
           <a:p>
             <a:pPr marL="0" indent="0">
@@ -7736,7 +7712,23 @@
                 <a:ea typeface="Times New Roman" charset="0"/>
                 <a:cs typeface="Times New Roman" charset="0"/>
               </a:rPr>
-              <a:t> Height is less than and  equal  to  o(log n )</a:t>
+              <a:t> Height is less than and  equal  to  </a:t>
+            </a:r>
+            <a:r>
+              <a:rPr lang="en-US" cap="none" dirty="0" smtClean="0">
+                <a:latin typeface="Times New Roman" charset="0"/>
+                <a:ea typeface="Times New Roman" charset="0"/>
+                <a:cs typeface="Times New Roman" charset="0"/>
+              </a:rPr>
+              <a:t>O(log </a:t>
+            </a:r>
+            <a:r>
+              <a:rPr lang="en-US" cap="none" dirty="0" smtClean="0">
+                <a:latin typeface="Times New Roman" charset="0"/>
+                <a:ea typeface="Times New Roman" charset="0"/>
+                <a:cs typeface="Times New Roman" charset="0"/>
+              </a:rPr>
+              <a:t>n )</a:t>
             </a:r>
           </a:p>
           <a:p>
@@ -7848,7 +7840,7 @@
                 <a:ea typeface="Times New Roman" charset="0"/>
                 <a:cs typeface="Times New Roman" charset="0"/>
               </a:rPr>
-              <a:t>bsts</a:t>
+              <a:t>bst’s</a:t>
             </a:r>
             <a:r>
               <a:rPr lang="en-US" cap="none" dirty="0" smtClean="0">
